--- a/ReportFile/화면설계서_양식 예시.pptx
+++ b/ReportFile/화면설계서_양식 예시.pptx
@@ -110,12 +110,12 @@
   <p:extLst>
     <p:ext uri="{EFAFB233-063F-42B5-8137-9DF3F51BA10A}">
       <p15:sldGuideLst xmlns:p15="http://schemas.microsoft.com/office/powerpoint/2012/main">
-        <p15:guide id="1" orient="horz" pos="2160" userDrawn="1">
+        <p15:guide id="1" orient="horz" pos="504" userDrawn="1">
           <p15:clr>
             <a:srgbClr val="A4A3A4"/>
           </p15:clr>
         </p15:guide>
-        <p15:guide id="2" pos="3840" userDrawn="1">
+        <p15:guide id="2" pos="529" userDrawn="1">
           <p15:clr>
             <a:srgbClr val="A4A3A4"/>
           </p15:clr>
@@ -4567,7 +4567,10 @@
           <a:bodyPr/>
           <a:lstStyle/>
           <a:p>
-            <a:endParaRPr lang="ko-KR" altLang="en-US" dirty="0"/>
+            <a:r>
+              <a:rPr lang="ko-KR" altLang="en-US" dirty="0"/>
+              <a:t>주차장 상세 정보</a:t>
+            </a:r>
           </a:p>
         </p:txBody>
       </p:sp>
@@ -4592,6 +4595,10 @@
           <a:bodyPr/>
           <a:lstStyle/>
           <a:p>
+            <a:r>
+              <a:rPr lang="en-US" altLang="ko-KR" dirty="0" err="1"/>
+              <a:t>Himedia</a:t>
+            </a:r>
             <a:endParaRPr lang="ko-KR" altLang="en-US" dirty="0"/>
           </a:p>
         </p:txBody>
@@ -4647,14 +4654,14 @@
           <p:nvPr>
             <p:extLst>
               <p:ext uri="{D42A27DB-BD31-4B8C-83A1-F6EECF244321}">
-                <p14:modId xmlns:p14="http://schemas.microsoft.com/office/powerpoint/2010/main" val="2084679197"/>
+                <p14:modId xmlns:p14="http://schemas.microsoft.com/office/powerpoint/2010/main" val="1692861978"/>
               </p:ext>
             </p:extLst>
           </p:nvPr>
         </p:nvGraphicFramePr>
         <p:xfrm>
           <a:off x="8561373" y="331773"/>
-          <a:ext cx="3630627" cy="3235192"/>
+          <a:ext cx="3630627" cy="2738976"/>
         </p:xfrm>
         <a:graphic>
           <a:graphicData uri="http://schemas.openxmlformats.org/drawingml/2006/table">
@@ -4678,7 +4685,7 @@
                   </a:extLst>
                 </a:gridCol>
               </a:tblGrid>
-              <a:tr h="231845">
+              <a:tr h="206420">
                 <a:tc gridSpan="2">
                   <a:txBody>
                     <a:bodyPr/>
@@ -4852,7 +4859,7 @@
                   </a:ext>
                 </a:extLst>
               </a:tr>
-              <a:tr h="652577">
+              <a:tr h="439581">
                 <a:tc>
                   <a:txBody>
                     <a:bodyPr/>
@@ -4945,137 +4952,67 @@
                     <a:bodyPr/>
                     <a:lstStyle/>
                     <a:p>
-                      <a:pPr marL="0" indent="0">
+                      <a:pPr algn="just" latinLnBrk="1">
                         <a:lnSpc>
-                          <a:spcPct val="150000"/>
+                          <a:spcPct val="120000"/>
                         </a:lnSpc>
-                        <a:buClr>
-                          <a:srgbClr val="FF0000"/>
-                        </a:buClr>
-                        <a:buFont typeface="+mj-ea"/>
-                        <a:buNone/>
                       </a:pPr>
                       <a:r>
-                        <a:rPr lang="ko-KR" altLang="en-US" sz="800" dirty="0" err="1">
-                          <a:solidFill>
-                            <a:schemeClr val="tx1">
-                              <a:lumMod val="50000"/>
-                              <a:lumOff val="50000"/>
-                            </a:schemeClr>
-                          </a:solidFill>
-                          <a:latin typeface="나눔고딕" panose="020D0604000000000000" pitchFamily="50" charset="-127"/>
-                          <a:ea typeface="나눔고딕" panose="020D0604000000000000" pitchFamily="50" charset="-127"/>
-                          <a:sym typeface="Wingdings" panose="05000000000000000000" pitchFamily="2" charset="2"/>
+                        <a:rPr lang="ko-KR" altLang="en-US" sz="850" b="0" dirty="0">
+                          <a:latin typeface="+mn-ea"/>
+                          <a:ea typeface="+mn-ea"/>
                         </a:rPr>
-                        <a:t>모바일</a:t>
+                        <a:t>주차 </a:t>
                       </a:r>
                       <a:r>
-                        <a:rPr lang="ko-KR" altLang="en-US" sz="800" dirty="0">
-                          <a:solidFill>
-                            <a:schemeClr val="tx1">
-                              <a:lumMod val="50000"/>
-                              <a:lumOff val="50000"/>
-                            </a:schemeClr>
-                          </a:solidFill>
-                          <a:latin typeface="나눔고딕" panose="020D0604000000000000" pitchFamily="50" charset="-127"/>
-                          <a:ea typeface="나눔고딕" panose="020D0604000000000000" pitchFamily="50" charset="-127"/>
-                          <a:sym typeface="Wingdings" panose="05000000000000000000" pitchFamily="2" charset="2"/>
+                        <a:rPr lang="ko-KR" altLang="en-US" sz="850" b="0" dirty="0" err="1">
+                          <a:latin typeface="+mn-ea"/>
+                          <a:ea typeface="+mn-ea"/>
                         </a:rPr>
-                        <a:t> 웹 랜딩 페이지</a:t>
-                      </a:r>
-                      <a:endParaRPr lang="en-US" altLang="ko-KR" sz="800" dirty="0">
-                        <a:solidFill>
-                          <a:schemeClr val="tx1">
-                            <a:lumMod val="50000"/>
-                            <a:lumOff val="50000"/>
-                          </a:schemeClr>
-                        </a:solidFill>
-                        <a:latin typeface="나눔고딕" panose="020D0604000000000000" pitchFamily="50" charset="-127"/>
-                        <a:ea typeface="나눔고딕" panose="020D0604000000000000" pitchFamily="50" charset="-127"/>
-                        <a:sym typeface="Wingdings" panose="05000000000000000000" pitchFamily="2" charset="2"/>
-                      </a:endParaRPr>
-                    </a:p>
-                    <a:p>
-                      <a:pPr marL="0" indent="0">
-                        <a:lnSpc>
-                          <a:spcPct val="150000"/>
-                        </a:lnSpc>
-                        <a:buClr>
-                          <a:srgbClr val="FF0000"/>
-                        </a:buClr>
-                        <a:buFont typeface="+mj-ea"/>
-                        <a:buNone/>
-                      </a:pPr>
-                      <a:r>
-                        <a:rPr lang="ko-KR" altLang="en-US" sz="800" dirty="0">
-                          <a:solidFill>
-                            <a:schemeClr val="tx1">
-                              <a:lumMod val="50000"/>
-                              <a:lumOff val="50000"/>
-                            </a:schemeClr>
-                          </a:solidFill>
-                          <a:latin typeface="나눔고딕" panose="020D0604000000000000" pitchFamily="50" charset="-127"/>
-                          <a:ea typeface="나눔고딕" panose="020D0604000000000000" pitchFamily="50" charset="-127"/>
-                          <a:sym typeface="Wingdings" panose="05000000000000000000" pitchFamily="2" charset="2"/>
-                        </a:rPr>
-                        <a:t>최초접속 또는 비 로그인 상태에서 </a:t>
+                        <a:t>가능수</a:t>
                       </a:r>
                       <a:r>
-                        <a:rPr lang="en-US" altLang="ko-KR" sz="800" baseline="0" dirty="0">
-                          <a:solidFill>
-                            <a:schemeClr val="tx1">
-                              <a:lumMod val="50000"/>
-                              <a:lumOff val="50000"/>
-                            </a:schemeClr>
-                          </a:solidFill>
-                          <a:latin typeface="나눔고딕" panose="020D0604000000000000" pitchFamily="50" charset="-127"/>
-                          <a:ea typeface="나눔고딕" panose="020D0604000000000000" pitchFamily="50" charset="-127"/>
-                          <a:sym typeface="Wingdings" panose="05000000000000000000" pitchFamily="2" charset="2"/>
+                        <a:rPr lang="en-US" altLang="ko-KR" sz="850" b="0" dirty="0">
+                          <a:latin typeface="+mn-ea"/>
+                          <a:ea typeface="+mn-ea"/>
+                        </a:rPr>
+                        <a:t>, </a:t>
+                      </a:r>
+                      <a:r>
+                        <a:rPr lang="ko-KR" altLang="en-US" sz="850" b="0" dirty="0">
+                          <a:latin typeface="+mn-ea"/>
+                          <a:ea typeface="+mn-ea"/>
+                        </a:rPr>
+                        <a:t>운영 시간</a:t>
+                      </a:r>
+                      <a:r>
+                        <a:rPr lang="en-US" altLang="ko-KR" sz="850" b="0" dirty="0">
+                          <a:latin typeface="+mn-ea"/>
+                          <a:ea typeface="+mn-ea"/>
+                        </a:rPr>
+                        <a:t>, </a:t>
+                      </a:r>
+                      <a:r>
+                        <a:rPr lang="ko-KR" altLang="en-US" sz="850" b="0" dirty="0">
+                          <a:latin typeface="+mn-ea"/>
+                          <a:ea typeface="+mn-ea"/>
+                        </a:rPr>
+                        <a:t>요금 유형 등</a:t>
+                      </a:r>
+                      <a:r>
+                        <a:rPr lang="en-US" altLang="ko-KR" sz="850" b="0" dirty="0">
+                          <a:latin typeface="+mn-ea"/>
+                          <a:ea typeface="+mn-ea"/>
                         </a:rPr>
                         <a:t> </a:t>
                       </a:r>
-                      <a:r>
-                        <a:rPr lang="en-US" altLang="ko-KR" sz="800" dirty="0">
-                          <a:solidFill>
-                            <a:schemeClr val="tx1">
-                              <a:lumMod val="50000"/>
-                              <a:lumOff val="50000"/>
-                            </a:schemeClr>
-                          </a:solidFill>
-                          <a:latin typeface="나눔고딕" panose="020D0604000000000000" pitchFamily="50" charset="-127"/>
-                          <a:ea typeface="나눔고딕" panose="020D0604000000000000" pitchFamily="50" charset="-127"/>
-                          <a:sym typeface="Wingdings" panose="05000000000000000000" pitchFamily="2" charset="2"/>
-                        </a:rPr>
-                        <a:t>m.freemoa.net </a:t>
-                      </a:r>
-                      <a:r>
-                        <a:rPr lang="ko-KR" altLang="en-US" sz="800" dirty="0">
-                          <a:solidFill>
-                            <a:schemeClr val="tx1">
-                              <a:lumMod val="50000"/>
-                              <a:lumOff val="50000"/>
-                            </a:schemeClr>
-                          </a:solidFill>
-                          <a:latin typeface="나눔고딕" panose="020D0604000000000000" pitchFamily="50" charset="-127"/>
-                          <a:ea typeface="나눔고딕" panose="020D0604000000000000" pitchFamily="50" charset="-127"/>
-                          <a:sym typeface="Wingdings" panose="05000000000000000000" pitchFamily="2" charset="2"/>
-                        </a:rPr>
-                        <a:t>접속 시 페이지 노출</a:t>
-                      </a:r>
-                      <a:endParaRPr lang="en-US" altLang="ko-KR" sz="800" dirty="0">
-                        <a:solidFill>
-                          <a:schemeClr val="tx1">
-                            <a:lumMod val="50000"/>
-                            <a:lumOff val="50000"/>
-                          </a:schemeClr>
-                        </a:solidFill>
-                        <a:latin typeface="나눔고딕" panose="020D0604000000000000" pitchFamily="50" charset="-127"/>
-                        <a:ea typeface="나눔고딕" panose="020D0604000000000000" pitchFamily="50" charset="-127"/>
-                        <a:sym typeface="Wingdings" panose="05000000000000000000" pitchFamily="2" charset="2"/>
+                      <a:endParaRPr lang="ko-KR" altLang="en-US" sz="850" b="0" dirty="0">
+                        <a:latin typeface="+mn-ea"/>
+                        <a:ea typeface="+mn-ea"/>
                       </a:endParaRPr>
                     </a:p>
                   </a:txBody>
-                  <a:tcPr marL="109728" marR="109728" marT="54864" marB="54864" anchor="ctr">
+                  <a:tcPr anchor="ctr">
                     <a:lnL w="3175" cap="flat" cmpd="sng" algn="ctr">
                       <a:solidFill>
                         <a:schemeClr val="bg1">
@@ -5133,7 +5070,7 @@
                   </a:ext>
                 </a:extLst>
               </a:tr>
-              <a:tr h="470154">
+              <a:tr h="418595">
                 <a:tc>
                   <a:txBody>
                     <a:bodyPr/>
@@ -5226,109 +5163,35 @@
                     <a:bodyPr/>
                     <a:lstStyle/>
                     <a:p>
-                      <a:pPr latinLnBrk="1">
+                      <a:pPr marL="0" marR="0" lvl="0" indent="0" algn="just" defTabSz="914400" rtl="0" eaLnBrk="1" fontAlgn="auto" latinLnBrk="1" hangingPunct="1">
                         <a:lnSpc>
-                          <a:spcPct val="150000"/>
+                          <a:spcPct val="120000"/>
                         </a:lnSpc>
+                        <a:spcBef>
+                          <a:spcPts val="0"/>
+                        </a:spcBef>
+                        <a:spcAft>
+                          <a:spcPts val="0"/>
+                        </a:spcAft>
+                        <a:buClrTx/>
+                        <a:buSzTx/>
+                        <a:buFontTx/>
+                        <a:buNone/>
+                        <a:tabLst/>
+                        <a:defRPr/>
                       </a:pPr>
                       <a:r>
-                        <a:rPr lang="ko-KR" altLang="en-US" sz="800" dirty="0">
+                        <a:rPr kumimoji="1" lang="ko-KR" altLang="en-US" sz="850" dirty="0">
                           <a:solidFill>
-                            <a:schemeClr val="tx1">
-                              <a:lumMod val="50000"/>
-                              <a:lumOff val="50000"/>
-                            </a:schemeClr>
+                            <a:schemeClr val="tx1"/>
                           </a:solidFill>
-                          <a:latin typeface="나눔고딕" panose="020D0604000000000000" pitchFamily="50" charset="-127"/>
-                          <a:ea typeface="나눔고딕" panose="020D0604000000000000" pitchFamily="50" charset="-127"/>
+                          <a:latin typeface="+mn-ea"/>
                         </a:rPr>
-                        <a:t>클라이언트 페이지 이동 버튼</a:t>
-                      </a:r>
-                      <a:r>
-                        <a:rPr lang="en-US" altLang="ko-KR" sz="800" dirty="0">
-                          <a:solidFill>
-                            <a:schemeClr val="tx1">
-                              <a:lumMod val="50000"/>
-                              <a:lumOff val="50000"/>
-                            </a:schemeClr>
-                          </a:solidFill>
-                          <a:latin typeface="나눔고딕" panose="020D0604000000000000" pitchFamily="50" charset="-127"/>
-                          <a:ea typeface="나눔고딕" panose="020D0604000000000000" pitchFamily="50" charset="-127"/>
-                        </a:rPr>
-                        <a:t>(</a:t>
-                      </a:r>
-                      <a:r>
-                        <a:rPr lang="ko-KR" altLang="en-US" sz="800" dirty="0">
-                          <a:solidFill>
-                            <a:schemeClr val="tx1">
-                              <a:lumMod val="50000"/>
-                              <a:lumOff val="50000"/>
-                            </a:schemeClr>
-                          </a:solidFill>
-                          <a:latin typeface="나눔고딕" panose="020D0604000000000000" pitchFamily="50" charset="-127"/>
-                          <a:ea typeface="나눔고딕" panose="020D0604000000000000" pitchFamily="50" charset="-127"/>
-                        </a:rPr>
-                        <a:t>전체영역</a:t>
-                      </a:r>
-                      <a:r>
-                        <a:rPr lang="en-US" altLang="ko-KR" sz="800" dirty="0">
-                          <a:solidFill>
-                            <a:schemeClr val="tx1">
-                              <a:lumMod val="50000"/>
-                              <a:lumOff val="50000"/>
-                            </a:schemeClr>
-                          </a:solidFill>
-                          <a:latin typeface="나눔고딕" panose="020D0604000000000000" pitchFamily="50" charset="-127"/>
-                          <a:ea typeface="나눔고딕" panose="020D0604000000000000" pitchFamily="50" charset="-127"/>
-                        </a:rPr>
-                        <a:t>)</a:t>
+                        <a:t>지번 주소와 관리자 연락처 등</a:t>
                       </a:r>
                     </a:p>
-                    <a:p>
-                      <a:pPr latinLnBrk="1">
-                        <a:lnSpc>
-                          <a:spcPct val="150000"/>
-                        </a:lnSpc>
-                      </a:pPr>
-                      <a:r>
-                        <a:rPr lang="en-US" altLang="ko-KR" sz="800" dirty="0">
-                          <a:solidFill>
-                            <a:schemeClr val="tx1">
-                              <a:lumMod val="50000"/>
-                              <a:lumOff val="50000"/>
-                            </a:schemeClr>
-                          </a:solidFill>
-                          <a:latin typeface="나눔고딕" panose="020D0604000000000000" pitchFamily="50" charset="-127"/>
-                          <a:ea typeface="나눔고딕" panose="020D0604000000000000" pitchFamily="50" charset="-127"/>
-                        </a:rPr>
-                        <a:t>m.freemoa.net/</a:t>
-                      </a:r>
-                      <a:r>
-                        <a:rPr lang="en-US" altLang="ko-KR" sz="800" dirty="0" err="1">
-                          <a:solidFill>
-                            <a:schemeClr val="tx1">
-                              <a:lumMod val="50000"/>
-                              <a:lumOff val="50000"/>
-                            </a:schemeClr>
-                          </a:solidFill>
-                          <a:latin typeface="나눔고딕" panose="020D0604000000000000" pitchFamily="50" charset="-127"/>
-                          <a:ea typeface="나눔고딕" panose="020D0604000000000000" pitchFamily="50" charset="-127"/>
-                        </a:rPr>
-                        <a:t>cmain</a:t>
-                      </a:r>
-                      <a:endParaRPr lang="ko-KR" altLang="en-US" sz="800" dirty="0">
-                        <a:solidFill>
-                          <a:schemeClr val="tx1">
-                            <a:lumMod val="50000"/>
-                            <a:lumOff val="50000"/>
-                          </a:schemeClr>
-                        </a:solidFill>
-                        <a:latin typeface="나눔고딕" panose="020D0604000000000000" pitchFamily="50" charset="-127"/>
-                        <a:ea typeface="나눔고딕" panose="020D0604000000000000" pitchFamily="50" charset="-127"/>
-                      </a:endParaRPr>
-                    </a:p>
                   </a:txBody>
-                  <a:tcPr marL="109728" marR="109728" marT="54864" marB="54864" anchor="ctr">
+                  <a:tcPr anchor="ctr">
                     <a:lnL w="3175" cap="flat" cmpd="sng" algn="ctr">
                       <a:solidFill>
                         <a:schemeClr val="bg1">
@@ -5386,7 +5249,7 @@
                   </a:ext>
                 </a:extLst>
               </a:tr>
-              <a:tr h="470154">
+              <a:tr h="418595">
                 <a:tc>
                   <a:txBody>
                     <a:bodyPr/>
@@ -5479,109 +5342,49 @@
                     <a:bodyPr/>
                     <a:lstStyle/>
                     <a:p>
-                      <a:pPr latinLnBrk="1">
+                      <a:pPr algn="just" latinLnBrk="1">
                         <a:lnSpc>
-                          <a:spcPct val="150000"/>
+                          <a:spcPct val="120000"/>
                         </a:lnSpc>
                       </a:pPr>
                       <a:r>
-                        <a:rPr lang="ko-KR" altLang="en-US" sz="800" dirty="0">
-                          <a:solidFill>
-                            <a:schemeClr val="tx1">
-                              <a:lumMod val="50000"/>
-                              <a:lumOff val="50000"/>
-                            </a:schemeClr>
-                          </a:solidFill>
-                          <a:latin typeface="나눔고딕" panose="020D0604000000000000" pitchFamily="50" charset="-127"/>
-                          <a:ea typeface="나눔고딕" panose="020D0604000000000000" pitchFamily="50" charset="-127"/>
+                        <a:rPr lang="ko-KR" altLang="en-US" sz="850" b="0" dirty="0">
+                          <a:latin typeface="+mn-ea"/>
+                          <a:ea typeface="+mn-ea"/>
                         </a:rPr>
-                        <a:t>프리랜서 페이지 이동 버튼</a:t>
+                        <a:t>기본 요금</a:t>
                       </a:r>
                       <a:r>
-                        <a:rPr lang="en-US" altLang="ko-KR" sz="800" dirty="0">
-                          <a:solidFill>
-                            <a:schemeClr val="tx1">
-                              <a:lumMod val="50000"/>
-                              <a:lumOff val="50000"/>
-                            </a:schemeClr>
-                          </a:solidFill>
-                          <a:latin typeface="나눔고딕" panose="020D0604000000000000" pitchFamily="50" charset="-127"/>
-                          <a:ea typeface="나눔고딕" panose="020D0604000000000000" pitchFamily="50" charset="-127"/>
+                        <a:rPr lang="en-US" altLang="ko-KR" sz="850" b="0" dirty="0">
+                          <a:latin typeface="+mn-ea"/>
+                          <a:ea typeface="+mn-ea"/>
                         </a:rPr>
-                        <a:t>(</a:t>
+                        <a:t>, </a:t>
                       </a:r>
                       <a:r>
-                        <a:rPr lang="ko-KR" altLang="en-US" sz="800" dirty="0">
-                          <a:solidFill>
-                            <a:schemeClr val="tx1">
-                              <a:lumMod val="50000"/>
-                              <a:lumOff val="50000"/>
-                            </a:schemeClr>
-                          </a:solidFill>
-                          <a:latin typeface="나눔고딕" panose="020D0604000000000000" pitchFamily="50" charset="-127"/>
-                          <a:ea typeface="나눔고딕" panose="020D0604000000000000" pitchFamily="50" charset="-127"/>
+                        <a:rPr lang="ko-KR" altLang="en-US" sz="850" b="0" dirty="0">
+                          <a:latin typeface="+mn-ea"/>
+                          <a:ea typeface="+mn-ea"/>
                         </a:rPr>
-                        <a:t>전체영역</a:t>
+                        <a:t>기본 시간</a:t>
                       </a:r>
                       <a:r>
-                        <a:rPr lang="en-US" altLang="ko-KR" sz="800" dirty="0">
-                          <a:solidFill>
-                            <a:schemeClr val="tx1">
-                              <a:lumMod val="50000"/>
-                              <a:lumOff val="50000"/>
-                            </a:schemeClr>
-                          </a:solidFill>
-                          <a:latin typeface="나눔고딕" panose="020D0604000000000000" pitchFamily="50" charset="-127"/>
-                          <a:ea typeface="나눔고딕" panose="020D0604000000000000" pitchFamily="50" charset="-127"/>
+                        <a:rPr lang="en-US" altLang="ko-KR" sz="850" b="0" dirty="0">
+                          <a:latin typeface="+mn-ea"/>
+                          <a:ea typeface="+mn-ea"/>
                         </a:rPr>
-                        <a:t>)</a:t>
+                        <a:t>, </a:t>
+                      </a:r>
+                      <a:r>
+                        <a:rPr lang="ko-KR" altLang="en-US" sz="850" b="0" dirty="0">
+                          <a:latin typeface="+mn-ea"/>
+                          <a:ea typeface="+mn-ea"/>
+                        </a:rPr>
+                        <a:t>시간당 요금 등 </a:t>
                       </a:r>
                     </a:p>
-                    <a:p>
-                      <a:pPr latinLnBrk="1">
-                        <a:lnSpc>
-                          <a:spcPct val="150000"/>
-                        </a:lnSpc>
-                      </a:pPr>
-                      <a:r>
-                        <a:rPr lang="en-US" altLang="ko-KR" sz="800" dirty="0">
-                          <a:solidFill>
-                            <a:schemeClr val="tx1">
-                              <a:lumMod val="50000"/>
-                              <a:lumOff val="50000"/>
-                            </a:schemeClr>
-                          </a:solidFill>
-                          <a:latin typeface="나눔고딕" panose="020D0604000000000000" pitchFamily="50" charset="-127"/>
-                          <a:ea typeface="나눔고딕" panose="020D0604000000000000" pitchFamily="50" charset="-127"/>
-                        </a:rPr>
-                        <a:t>m.freemoa.net/</a:t>
-                      </a:r>
-                      <a:r>
-                        <a:rPr lang="en-US" altLang="ko-KR" sz="800" dirty="0" err="1">
-                          <a:solidFill>
-                            <a:schemeClr val="tx1">
-                              <a:lumMod val="50000"/>
-                              <a:lumOff val="50000"/>
-                            </a:schemeClr>
-                          </a:solidFill>
-                          <a:latin typeface="나눔고딕" panose="020D0604000000000000" pitchFamily="50" charset="-127"/>
-                          <a:ea typeface="나눔고딕" panose="020D0604000000000000" pitchFamily="50" charset="-127"/>
-                        </a:rPr>
-                        <a:t>fmain</a:t>
-                      </a:r>
-                      <a:endParaRPr lang="ko-KR" altLang="en-US" sz="800" dirty="0">
-                        <a:solidFill>
-                          <a:schemeClr val="tx1">
-                            <a:lumMod val="50000"/>
-                            <a:lumOff val="50000"/>
-                          </a:schemeClr>
-                        </a:solidFill>
-                        <a:latin typeface="나눔고딕" panose="020D0604000000000000" pitchFamily="50" charset="-127"/>
-                        <a:ea typeface="나눔고딕" panose="020D0604000000000000" pitchFamily="50" charset="-127"/>
-                      </a:endParaRPr>
-                    </a:p>
                   </a:txBody>
-                  <a:tcPr marL="109728" marR="109728" marT="54864" marB="54864" anchor="ctr">
+                  <a:tcPr anchor="ctr">
                     <a:lnL w="3175" cap="flat" cmpd="sng" algn="ctr">
                       <a:solidFill>
                         <a:schemeClr val="bg1">
@@ -5639,7 +5442,7 @@
                   </a:ext>
                 </a:extLst>
               </a:tr>
-              <a:tr h="470154">
+              <a:tr h="418595">
                 <a:tc>
                   <a:txBody>
                     <a:bodyPr/>
@@ -5728,6 +5531,272 @@
                   </a:tcPr>
                 </a:tc>
                 <a:tc>
+                  <a:txBody>
+                    <a:bodyPr/>
+                    <a:lstStyle/>
+                    <a:p>
+                      <a:pPr marL="0" marR="0" lvl="0" indent="0" algn="just" defTabSz="914400" rtl="0" eaLnBrk="1" fontAlgn="auto" latinLnBrk="1" hangingPunct="1">
+                        <a:lnSpc>
+                          <a:spcPct val="120000"/>
+                        </a:lnSpc>
+                        <a:spcBef>
+                          <a:spcPts val="0"/>
+                        </a:spcBef>
+                        <a:spcAft>
+                          <a:spcPts val="0"/>
+                        </a:spcAft>
+                        <a:buClrTx/>
+                        <a:buSzTx/>
+                        <a:buFontTx/>
+                        <a:buNone/>
+                        <a:tabLst/>
+                        <a:defRPr/>
+                      </a:pPr>
+                      <a:r>
+                        <a:rPr kumimoji="1" lang="ko-KR" altLang="en-US" sz="850" dirty="0">
+                          <a:solidFill>
+                            <a:schemeClr val="tx1"/>
+                          </a:solidFill>
+                          <a:latin typeface="+mn-ea"/>
+                        </a:rPr>
+                        <a:t>구분</a:t>
+                      </a:r>
+                      <a:r>
+                        <a:rPr kumimoji="1" lang="en-US" altLang="ko-KR" sz="850" dirty="0">
+                          <a:solidFill>
+                            <a:schemeClr val="tx1"/>
+                          </a:solidFill>
+                          <a:latin typeface="+mn-ea"/>
+                        </a:rPr>
+                        <a:t>(</a:t>
+                      </a:r>
+                      <a:r>
+                        <a:rPr kumimoji="1" lang="ko-KR" altLang="en-US" sz="850" dirty="0">
+                          <a:solidFill>
+                            <a:schemeClr val="tx1"/>
+                          </a:solidFill>
+                          <a:latin typeface="+mn-ea"/>
+                        </a:rPr>
+                        <a:t>공영 주차장</a:t>
+                      </a:r>
+                      <a:r>
+                        <a:rPr kumimoji="1" lang="en-US" altLang="ko-KR" sz="850" dirty="0">
+                          <a:solidFill>
+                            <a:schemeClr val="tx1"/>
+                          </a:solidFill>
+                          <a:latin typeface="+mn-ea"/>
+                        </a:rPr>
+                        <a:t>), </a:t>
+                      </a:r>
+                      <a:r>
+                        <a:rPr kumimoji="1" lang="ko-KR" altLang="en-US" sz="850" dirty="0">
+                          <a:solidFill>
+                            <a:schemeClr val="tx1"/>
+                          </a:solidFill>
+                          <a:latin typeface="+mn-ea"/>
+                        </a:rPr>
+                        <a:t>유형</a:t>
+                      </a:r>
+                      <a:r>
+                        <a:rPr kumimoji="1" lang="en-US" altLang="ko-KR" sz="850" dirty="0">
+                          <a:solidFill>
+                            <a:schemeClr val="tx1"/>
+                          </a:solidFill>
+                          <a:latin typeface="+mn-ea"/>
+                        </a:rPr>
+                        <a:t>(</a:t>
+                      </a:r>
+                      <a:r>
+                        <a:rPr kumimoji="1" lang="ko-KR" altLang="en-US" sz="850" dirty="0">
+                          <a:solidFill>
+                            <a:schemeClr val="tx1"/>
+                          </a:solidFill>
+                          <a:latin typeface="+mn-ea"/>
+                        </a:rPr>
+                        <a:t>노상</a:t>
+                      </a:r>
+                      <a:r>
+                        <a:rPr kumimoji="1" lang="en-US" altLang="ko-KR" sz="850" dirty="0">
+                          <a:solidFill>
+                            <a:schemeClr val="tx1"/>
+                          </a:solidFill>
+                          <a:latin typeface="+mn-ea"/>
+                        </a:rPr>
+                        <a:t>, </a:t>
+                      </a:r>
+                      <a:r>
+                        <a:rPr kumimoji="1" lang="ko-KR" altLang="en-US" sz="850" dirty="0" err="1">
+                          <a:solidFill>
+                            <a:schemeClr val="tx1"/>
+                          </a:solidFill>
+                          <a:latin typeface="+mn-ea"/>
+                        </a:rPr>
+                        <a:t>노외</a:t>
+                      </a:r>
+                      <a:r>
+                        <a:rPr kumimoji="1" lang="en-US" altLang="ko-KR" sz="850" dirty="0">
+                          <a:solidFill>
+                            <a:schemeClr val="tx1"/>
+                          </a:solidFill>
+                          <a:latin typeface="+mn-ea"/>
+                        </a:rPr>
+                        <a:t>, </a:t>
+                      </a:r>
+                      <a:r>
+                        <a:rPr kumimoji="1" lang="ko-KR" altLang="en-US" sz="850" dirty="0">
+                          <a:solidFill>
+                            <a:schemeClr val="tx1"/>
+                          </a:solidFill>
+                          <a:latin typeface="+mn-ea"/>
+                        </a:rPr>
+                        <a:t>부설</a:t>
+                      </a:r>
+                      <a:r>
+                        <a:rPr kumimoji="1" lang="en-US" altLang="ko-KR" sz="850" dirty="0">
+                          <a:solidFill>
+                            <a:schemeClr val="tx1"/>
+                          </a:solidFill>
+                          <a:latin typeface="+mn-ea"/>
+                        </a:rPr>
+                        <a:t>) </a:t>
+                      </a:r>
+                      <a:r>
+                        <a:rPr kumimoji="1" lang="ko-KR" altLang="en-US" sz="850" dirty="0">
+                          <a:solidFill>
+                            <a:schemeClr val="tx1"/>
+                          </a:solidFill>
+                          <a:latin typeface="+mn-ea"/>
+                        </a:rPr>
+                        <a:t>등</a:t>
+                      </a:r>
+                    </a:p>
+                  </a:txBody>
+                  <a:tcPr anchor="ctr">
+                    <a:lnL w="3175" cap="flat" cmpd="sng" algn="ctr">
+                      <a:solidFill>
+                        <a:schemeClr val="bg1">
+                          <a:lumMod val="75000"/>
+                        </a:schemeClr>
+                      </a:solidFill>
+                      <a:prstDash val="solid"/>
+                      <a:round/>
+                      <a:headEnd type="none" w="med" len="med"/>
+                      <a:tailEnd type="none" w="med" len="med"/>
+                    </a:lnL>
+                    <a:lnR w="3175" cap="flat" cmpd="sng" algn="ctr">
+                      <a:noFill/>
+                      <a:prstDash val="solid"/>
+                      <a:round/>
+                      <a:headEnd type="none" w="med" len="med"/>
+                      <a:tailEnd type="none" w="med" len="med"/>
+                    </a:lnR>
+                    <a:lnT w="3175" cap="flat" cmpd="sng" algn="ctr">
+                      <a:solidFill>
+                        <a:schemeClr val="bg1">
+                          <a:lumMod val="75000"/>
+                        </a:schemeClr>
+                      </a:solidFill>
+                      <a:prstDash val="solid"/>
+                      <a:round/>
+                      <a:headEnd type="none" w="med" len="med"/>
+                      <a:tailEnd type="none" w="med" len="med"/>
+                    </a:lnT>
+                    <a:lnB w="3175" cap="flat" cmpd="sng" algn="ctr">
+                      <a:solidFill>
+                        <a:schemeClr val="bg1">
+                          <a:lumMod val="75000"/>
+                        </a:schemeClr>
+                      </a:solidFill>
+                      <a:prstDash val="solid"/>
+                      <a:round/>
+                      <a:headEnd type="none" w="med" len="med"/>
+                      <a:tailEnd type="none" w="med" len="med"/>
+                    </a:lnB>
+                    <a:lnTlToBr w="12700" cmpd="sng">
+                      <a:noFill/>
+                      <a:prstDash val="solid"/>
+                    </a:lnTlToBr>
+                    <a:lnBlToTr w="12700" cmpd="sng">
+                      <a:noFill/>
+                      <a:prstDash val="solid"/>
+                    </a:lnBlToTr>
+                    <a:noFill/>
+                  </a:tcPr>
+                </a:tc>
+                <a:extLst>
+                  <a:ext uri="{0D108BD9-81ED-4DB2-BD59-A6C34878D82A}">
+                    <a16:rowId xmlns:a16="http://schemas.microsoft.com/office/drawing/2014/main" val="10004"/>
+                  </a:ext>
+                </a:extLst>
+              </a:tr>
+              <a:tr h="837190">
+                <a:tc gridSpan="2">
+                  <a:txBody>
+                    <a:bodyPr/>
+                    <a:lstStyle/>
+                    <a:p>
+                      <a:pPr algn="ctr" latinLnBrk="1">
+                        <a:lnSpc>
+                          <a:spcPct val="150000"/>
+                        </a:lnSpc>
+                      </a:pPr>
+                      <a:endParaRPr lang="ko-KR" altLang="en-US" sz="800" b="0" dirty="0">
+                        <a:solidFill>
+                          <a:schemeClr val="tx1">
+                            <a:lumMod val="50000"/>
+                            <a:lumOff val="50000"/>
+                          </a:schemeClr>
+                        </a:solidFill>
+                        <a:latin typeface="나눔고딕" panose="020D0604000000000000" pitchFamily="50" charset="-127"/>
+                        <a:ea typeface="나눔고딕" panose="020D0604000000000000" pitchFamily="50" charset="-127"/>
+                      </a:endParaRPr>
+                    </a:p>
+                  </a:txBody>
+                  <a:tcPr marL="109728" marR="109728" marT="54864" marB="54864" anchor="ctr">
+                    <a:lnL w="3175" cap="flat" cmpd="sng" algn="ctr">
+                      <a:noFill/>
+                      <a:prstDash val="solid"/>
+                      <a:round/>
+                      <a:headEnd type="none" w="med" len="med"/>
+                      <a:tailEnd type="none" w="med" len="med"/>
+                    </a:lnL>
+                    <a:lnR w="3175" cap="flat" cmpd="sng" algn="ctr">
+                      <a:noFill/>
+                      <a:prstDash val="solid"/>
+                      <a:round/>
+                      <a:headEnd type="none" w="med" len="med"/>
+                      <a:tailEnd type="none" w="med" len="med"/>
+                    </a:lnR>
+                    <a:lnT w="3175" cap="flat" cmpd="sng" algn="ctr">
+                      <a:solidFill>
+                        <a:schemeClr val="bg1">
+                          <a:lumMod val="75000"/>
+                        </a:schemeClr>
+                      </a:solidFill>
+                      <a:prstDash val="solid"/>
+                      <a:round/>
+                      <a:headEnd type="none" w="med" len="med"/>
+                      <a:tailEnd type="none" w="med" len="med"/>
+                    </a:lnT>
+                    <a:lnB w="3175" cap="flat" cmpd="sng" algn="ctr">
+                      <a:noFill/>
+                      <a:prstDash val="solid"/>
+                      <a:round/>
+                      <a:headEnd type="none" w="med" len="med"/>
+                      <a:tailEnd type="none" w="med" len="med"/>
+                    </a:lnB>
+                    <a:lnTlToBr w="12700" cmpd="sng">
+                      <a:noFill/>
+                      <a:prstDash val="solid"/>
+                    </a:lnTlToBr>
+                    <a:lnBlToTr w="12700" cmpd="sng">
+                      <a:noFill/>
+                      <a:prstDash val="solid"/>
+                    </a:lnBlToTr>
+                    <a:noFill/>
+                  </a:tcPr>
+                </a:tc>
+                <a:tc hMerge="1">
                   <a:txBody>
                     <a:bodyPr/>
                     <a:lstStyle/>
@@ -5793,1628 +5862,6 @@
                       <a:tailEnd type="none" w="med" len="med"/>
                     </a:lnT>
                     <a:lnB w="3175" cap="flat" cmpd="sng" algn="ctr">
-                      <a:solidFill>
-                        <a:schemeClr val="bg1">
-                          <a:lumMod val="75000"/>
-                        </a:schemeClr>
-                      </a:solidFill>
-                      <a:prstDash val="solid"/>
-                      <a:round/>
-                      <a:headEnd type="none" w="med" len="med"/>
-                      <a:tailEnd type="none" w="med" len="med"/>
-                    </a:lnB>
-                    <a:lnTlToBr w="12700" cmpd="sng">
-                      <a:noFill/>
-                      <a:prstDash val="solid"/>
-                    </a:lnTlToBr>
-                    <a:lnBlToTr w="12700" cmpd="sng">
-                      <a:noFill/>
-                      <a:prstDash val="solid"/>
-                    </a:lnBlToTr>
-                    <a:noFill/>
-                  </a:tcPr>
-                </a:tc>
-                <a:extLst>
-                  <a:ext uri="{0D108BD9-81ED-4DB2-BD59-A6C34878D82A}">
-                    <a16:rowId xmlns:a16="http://schemas.microsoft.com/office/drawing/2014/main" val="10004"/>
-                  </a:ext>
-                </a:extLst>
-              </a:tr>
-              <a:tr h="470154">
-                <a:tc>
-                  <a:txBody>
-                    <a:bodyPr/>
-                    <a:lstStyle/>
-                    <a:p>
-                      <a:pPr algn="ctr" latinLnBrk="1">
-                        <a:lnSpc>
-                          <a:spcPct val="150000"/>
-                        </a:lnSpc>
-                      </a:pPr>
-                      <a:r>
-                        <a:rPr lang="en-US" altLang="ko-KR" sz="800" b="0" dirty="0">
-                          <a:solidFill>
-                            <a:schemeClr val="tx1">
-                              <a:lumMod val="50000"/>
-                              <a:lumOff val="50000"/>
-                            </a:schemeClr>
-                          </a:solidFill>
-                          <a:latin typeface="나눔고딕" panose="020D0604000000000000" pitchFamily="50" charset="-127"/>
-                          <a:ea typeface="나눔고딕" panose="020D0604000000000000" pitchFamily="50" charset="-127"/>
-                        </a:rPr>
-                        <a:t>5</a:t>
-                      </a:r>
-                      <a:endParaRPr lang="ko-KR" altLang="en-US" sz="800" b="0" dirty="0">
-                        <a:solidFill>
-                          <a:schemeClr val="tx1">
-                            <a:lumMod val="50000"/>
-                            <a:lumOff val="50000"/>
-                          </a:schemeClr>
-                        </a:solidFill>
-                        <a:latin typeface="나눔고딕" panose="020D0604000000000000" pitchFamily="50" charset="-127"/>
-                        <a:ea typeface="나눔고딕" panose="020D0604000000000000" pitchFamily="50" charset="-127"/>
-                      </a:endParaRPr>
-                    </a:p>
-                  </a:txBody>
-                  <a:tcPr marL="109728" marR="109728" marT="54864" marB="54864" anchor="ctr">
-                    <a:lnL w="3175" cap="flat" cmpd="sng" algn="ctr">
-                      <a:noFill/>
-                      <a:prstDash val="solid"/>
-                      <a:round/>
-                      <a:headEnd type="none" w="med" len="med"/>
-                      <a:tailEnd type="none" w="med" len="med"/>
-                    </a:lnL>
-                    <a:lnR w="3175" cap="flat" cmpd="sng" algn="ctr">
-                      <a:solidFill>
-                        <a:schemeClr val="bg1">
-                          <a:lumMod val="75000"/>
-                        </a:schemeClr>
-                      </a:solidFill>
-                      <a:prstDash val="solid"/>
-                      <a:round/>
-                      <a:headEnd type="none" w="med" len="med"/>
-                      <a:tailEnd type="none" w="med" len="med"/>
-                    </a:lnR>
-                    <a:lnT w="3175" cap="flat" cmpd="sng" algn="ctr">
-                      <a:solidFill>
-                        <a:schemeClr val="bg1">
-                          <a:lumMod val="75000"/>
-                        </a:schemeClr>
-                      </a:solidFill>
-                      <a:prstDash val="solid"/>
-                      <a:round/>
-                      <a:headEnd type="none" w="med" len="med"/>
-                      <a:tailEnd type="none" w="med" len="med"/>
-                    </a:lnT>
-                    <a:lnB w="3175" cap="flat" cmpd="sng" algn="ctr">
-                      <a:solidFill>
-                        <a:schemeClr val="bg1">
-                          <a:lumMod val="75000"/>
-                        </a:schemeClr>
-                      </a:solidFill>
-                      <a:prstDash val="solid"/>
-                      <a:round/>
-                      <a:headEnd type="none" w="med" len="med"/>
-                      <a:tailEnd type="none" w="med" len="med"/>
-                    </a:lnB>
-                    <a:lnTlToBr w="12700" cmpd="sng">
-                      <a:noFill/>
-                      <a:prstDash val="solid"/>
-                    </a:lnTlToBr>
-                    <a:lnBlToTr w="12700" cmpd="sng">
-                      <a:noFill/>
-                      <a:prstDash val="solid"/>
-                    </a:lnBlToTr>
-                    <a:noFill/>
-                  </a:tcPr>
-                </a:tc>
-                <a:tc>
-                  <a:txBody>
-                    <a:bodyPr/>
-                    <a:lstStyle/>
-                    <a:p>
-                      <a:pPr marL="0" marR="0" indent="0" algn="l" defTabSz="914400" rtl="0" eaLnBrk="1" fontAlgn="auto" latinLnBrk="1" hangingPunct="1">
-                        <a:lnSpc>
-                          <a:spcPct val="150000"/>
-                        </a:lnSpc>
-                        <a:spcBef>
-                          <a:spcPts val="0"/>
-                        </a:spcBef>
-                        <a:spcAft>
-                          <a:spcPts val="0"/>
-                        </a:spcAft>
-                        <a:buClrTx/>
-                        <a:buSzTx/>
-                        <a:buFontTx/>
-                        <a:buNone/>
-                        <a:tabLst/>
-                        <a:defRPr/>
-                      </a:pPr>
-                      <a:endParaRPr lang="en-US" altLang="ko-KR" sz="800" dirty="0">
-                        <a:solidFill>
-                          <a:schemeClr val="tx1">
-                            <a:lumMod val="50000"/>
-                            <a:lumOff val="50000"/>
-                          </a:schemeClr>
-                        </a:solidFill>
-                        <a:latin typeface="나눔고딕" panose="020D0604000000000000" pitchFamily="50" charset="-127"/>
-                        <a:ea typeface="나눔고딕" panose="020D0604000000000000" pitchFamily="50" charset="-127"/>
-                        <a:sym typeface="Wingdings" panose="05000000000000000000" pitchFamily="2" charset="2"/>
-                      </a:endParaRPr>
-                    </a:p>
-                  </a:txBody>
-                  <a:tcPr marL="109728" marR="109728" marT="54864" marB="54864" anchor="ctr">
-                    <a:lnL w="3175" cap="flat" cmpd="sng" algn="ctr">
-                      <a:solidFill>
-                        <a:schemeClr val="bg1">
-                          <a:lumMod val="75000"/>
-                        </a:schemeClr>
-                      </a:solidFill>
-                      <a:prstDash val="solid"/>
-                      <a:round/>
-                      <a:headEnd type="none" w="med" len="med"/>
-                      <a:tailEnd type="none" w="med" len="med"/>
-                    </a:lnL>
-                    <a:lnR w="3175" cap="flat" cmpd="sng" algn="ctr">
-                      <a:noFill/>
-                      <a:prstDash val="solid"/>
-                      <a:round/>
-                      <a:headEnd type="none" w="med" len="med"/>
-                      <a:tailEnd type="none" w="med" len="med"/>
-                    </a:lnR>
-                    <a:lnT w="3175" cap="flat" cmpd="sng" algn="ctr">
-                      <a:solidFill>
-                        <a:schemeClr val="bg1">
-                          <a:lumMod val="75000"/>
-                        </a:schemeClr>
-                      </a:solidFill>
-                      <a:prstDash val="solid"/>
-                      <a:round/>
-                      <a:headEnd type="none" w="med" len="med"/>
-                      <a:tailEnd type="none" w="med" len="med"/>
-                    </a:lnT>
-                    <a:lnB w="3175" cap="flat" cmpd="sng" algn="ctr">
-                      <a:solidFill>
-                        <a:schemeClr val="bg1">
-                          <a:lumMod val="75000"/>
-                        </a:schemeClr>
-                      </a:solidFill>
-                      <a:prstDash val="solid"/>
-                      <a:round/>
-                      <a:headEnd type="none" w="med" len="med"/>
-                      <a:tailEnd type="none" w="med" len="med"/>
-                    </a:lnB>
-                    <a:lnTlToBr w="12700" cmpd="sng">
-                      <a:noFill/>
-                      <a:prstDash val="solid"/>
-                    </a:lnTlToBr>
-                    <a:lnBlToTr w="12700" cmpd="sng">
-                      <a:noFill/>
-                      <a:prstDash val="solid"/>
-                    </a:lnBlToTr>
-                    <a:noFill/>
-                  </a:tcPr>
-                </a:tc>
-                <a:extLst>
-                  <a:ext uri="{0D108BD9-81ED-4DB2-BD59-A6C34878D82A}">
-                    <a16:rowId xmlns:a16="http://schemas.microsoft.com/office/drawing/2014/main" val="10005"/>
-                  </a:ext>
-                </a:extLst>
-              </a:tr>
-              <a:tr h="470154">
-                <a:tc>
-                  <a:txBody>
-                    <a:bodyPr/>
-                    <a:lstStyle/>
-                    <a:p>
-                      <a:pPr algn="ctr" latinLnBrk="1">
-                        <a:lnSpc>
-                          <a:spcPct val="150000"/>
-                        </a:lnSpc>
-                      </a:pPr>
-                      <a:r>
-                        <a:rPr lang="en-US" altLang="ko-KR" sz="800" b="0" dirty="0">
-                          <a:solidFill>
-                            <a:schemeClr val="tx1">
-                              <a:lumMod val="50000"/>
-                              <a:lumOff val="50000"/>
-                            </a:schemeClr>
-                          </a:solidFill>
-                          <a:latin typeface="나눔고딕" panose="020D0604000000000000" pitchFamily="50" charset="-127"/>
-                          <a:ea typeface="나눔고딕" panose="020D0604000000000000" pitchFamily="50" charset="-127"/>
-                        </a:rPr>
-                        <a:t>6</a:t>
-                      </a:r>
-                      <a:endParaRPr lang="ko-KR" altLang="en-US" sz="800" b="0" dirty="0">
-                        <a:solidFill>
-                          <a:schemeClr val="tx1">
-                            <a:lumMod val="50000"/>
-                            <a:lumOff val="50000"/>
-                          </a:schemeClr>
-                        </a:solidFill>
-                        <a:latin typeface="나눔고딕" panose="020D0604000000000000" pitchFamily="50" charset="-127"/>
-                        <a:ea typeface="나눔고딕" panose="020D0604000000000000" pitchFamily="50" charset="-127"/>
-                      </a:endParaRPr>
-                    </a:p>
-                  </a:txBody>
-                  <a:tcPr marL="109728" marR="109728" marT="54864" marB="54864" anchor="ctr">
-                    <a:lnL w="3175" cap="flat" cmpd="sng" algn="ctr">
-                      <a:noFill/>
-                      <a:prstDash val="solid"/>
-                      <a:round/>
-                      <a:headEnd type="none" w="med" len="med"/>
-                      <a:tailEnd type="none" w="med" len="med"/>
-                    </a:lnL>
-                    <a:lnR w="3175" cap="flat" cmpd="sng" algn="ctr">
-                      <a:solidFill>
-                        <a:schemeClr val="bg1">
-                          <a:lumMod val="75000"/>
-                        </a:schemeClr>
-                      </a:solidFill>
-                      <a:prstDash val="solid"/>
-                      <a:round/>
-                      <a:headEnd type="none" w="med" len="med"/>
-                      <a:tailEnd type="none" w="med" len="med"/>
-                    </a:lnR>
-                    <a:lnT w="3175" cap="flat" cmpd="sng" algn="ctr">
-                      <a:solidFill>
-                        <a:schemeClr val="bg1">
-                          <a:lumMod val="75000"/>
-                        </a:schemeClr>
-                      </a:solidFill>
-                      <a:prstDash val="solid"/>
-                      <a:round/>
-                      <a:headEnd type="none" w="med" len="med"/>
-                      <a:tailEnd type="none" w="med" len="med"/>
-                    </a:lnT>
-                    <a:lnB w="3175" cap="flat" cmpd="sng" algn="ctr">
-                      <a:noFill/>
-                      <a:prstDash val="solid"/>
-                      <a:round/>
-                      <a:headEnd type="none" w="med" len="med"/>
-                      <a:tailEnd type="none" w="med" len="med"/>
-                    </a:lnB>
-                    <a:lnTlToBr w="12700" cmpd="sng">
-                      <a:noFill/>
-                      <a:prstDash val="solid"/>
-                    </a:lnTlToBr>
-                    <a:lnBlToTr w="12700" cmpd="sng">
-                      <a:noFill/>
-                      <a:prstDash val="solid"/>
-                    </a:lnBlToTr>
-                    <a:noFill/>
-                  </a:tcPr>
-                </a:tc>
-                <a:tc>
-                  <a:txBody>
-                    <a:bodyPr/>
-                    <a:lstStyle/>
-                    <a:p>
-                      <a:pPr marL="0" marR="0" indent="0" algn="l" defTabSz="914400" rtl="0" eaLnBrk="1" fontAlgn="auto" latinLnBrk="1" hangingPunct="1">
-                        <a:lnSpc>
-                          <a:spcPct val="150000"/>
-                        </a:lnSpc>
-                        <a:spcBef>
-                          <a:spcPts val="0"/>
-                        </a:spcBef>
-                        <a:spcAft>
-                          <a:spcPts val="0"/>
-                        </a:spcAft>
-                        <a:buClrTx/>
-                        <a:buSzTx/>
-                        <a:buFontTx/>
-                        <a:buNone/>
-                        <a:tabLst/>
-                        <a:defRPr/>
-                      </a:pPr>
-                      <a:endParaRPr lang="en-US" altLang="ko-KR" sz="800" dirty="0">
-                        <a:solidFill>
-                          <a:schemeClr val="tx1">
-                            <a:lumMod val="50000"/>
-                            <a:lumOff val="50000"/>
-                          </a:schemeClr>
-                        </a:solidFill>
-                        <a:latin typeface="나눔고딕" panose="020D0604000000000000" pitchFamily="50" charset="-127"/>
-                        <a:ea typeface="나눔고딕" panose="020D0604000000000000" pitchFamily="50" charset="-127"/>
-                        <a:sym typeface="Wingdings" panose="05000000000000000000" pitchFamily="2" charset="2"/>
-                      </a:endParaRPr>
-                    </a:p>
-                  </a:txBody>
-                  <a:tcPr marL="109728" marR="109728" marT="54864" marB="54864" anchor="ctr">
-                    <a:lnL w="3175" cap="flat" cmpd="sng" algn="ctr">
-                      <a:solidFill>
-                        <a:schemeClr val="bg1">
-                          <a:lumMod val="75000"/>
-                        </a:schemeClr>
-                      </a:solidFill>
-                      <a:prstDash val="solid"/>
-                      <a:round/>
-                      <a:headEnd type="none" w="med" len="med"/>
-                      <a:tailEnd type="none" w="med" len="med"/>
-                    </a:lnL>
-                    <a:lnR w="3175" cap="flat" cmpd="sng" algn="ctr">
-                      <a:noFill/>
-                      <a:prstDash val="solid"/>
-                      <a:round/>
-                      <a:headEnd type="none" w="med" len="med"/>
-                      <a:tailEnd type="none" w="med" len="med"/>
-                    </a:lnR>
-                    <a:lnT w="3175" cap="flat" cmpd="sng" algn="ctr">
-                      <a:solidFill>
-                        <a:schemeClr val="bg1">
-                          <a:lumMod val="75000"/>
-                        </a:schemeClr>
-                      </a:solidFill>
-                      <a:prstDash val="solid"/>
-                      <a:round/>
-                      <a:headEnd type="none" w="med" len="med"/>
-                      <a:tailEnd type="none" w="med" len="med"/>
-                    </a:lnT>
-                    <a:lnB w="3175" cap="flat" cmpd="sng" algn="ctr">
-                      <a:noFill/>
-                      <a:prstDash val="solid"/>
-                      <a:round/>
-                      <a:headEnd type="none" w="med" len="med"/>
-                      <a:tailEnd type="none" w="med" len="med"/>
-                    </a:lnB>
-                    <a:lnTlToBr w="12700" cmpd="sng">
-                      <a:noFill/>
-                      <a:prstDash val="solid"/>
-                    </a:lnTlToBr>
-                    <a:lnBlToTr w="12700" cmpd="sng">
-                      <a:noFill/>
-                      <a:prstDash val="solid"/>
-                    </a:lnBlToTr>
-                    <a:noFill/>
-                  </a:tcPr>
-                </a:tc>
-                <a:extLst>
-                  <a:ext uri="{0D108BD9-81ED-4DB2-BD59-A6C34878D82A}">
-                    <a16:rowId xmlns:a16="http://schemas.microsoft.com/office/drawing/2014/main" val="10006"/>
-                  </a:ext>
-                </a:extLst>
-              </a:tr>
-            </a:tbl>
-          </a:graphicData>
-        </a:graphic>
-      </p:graphicFrame>
-      <p:graphicFrame>
-        <p:nvGraphicFramePr>
-          <p:cNvPr id="3" name="표 2">
-            <a:extLst>
-              <a:ext uri="{FF2B5EF4-FFF2-40B4-BE49-F238E27FC236}">
-                <a16:creationId xmlns:a16="http://schemas.microsoft.com/office/drawing/2014/main" id="{B9F99F47-44AB-53E3-7B2E-B513C5854E46}"/>
-              </a:ext>
-            </a:extLst>
-          </p:cNvPr>
-          <p:cNvGraphicFramePr>
-            <a:graphicFrameLocks noGrp="1"/>
-          </p:cNvGraphicFramePr>
-          <p:nvPr>
-            <p:extLst>
-              <p:ext uri="{D42A27DB-BD31-4B8C-83A1-F6EECF244321}">
-                <p14:modId xmlns:p14="http://schemas.microsoft.com/office/powerpoint/2010/main" val="4199484855"/>
-              </p:ext>
-            </p:extLst>
-          </p:nvPr>
-        </p:nvGraphicFramePr>
-        <p:xfrm>
-          <a:off x="8561373" y="3609360"/>
-          <a:ext cx="3630627" cy="3248640"/>
-        </p:xfrm>
-        <a:graphic>
-          <a:graphicData uri="http://schemas.openxmlformats.org/drawingml/2006/table">
-            <a:tbl>
-              <a:tblPr firstRow="1" bandRow="1">
-                <a:tableStyleId>{5C22544A-7EE6-4342-B048-85BDC9FD1C3A}</a:tableStyleId>
-              </a:tblPr>
-              <a:tblGrid>
-                <a:gridCol w="405784">
-                  <a:extLst>
-                    <a:ext uri="{9D8B030D-6E8A-4147-A177-3AD203B41FA5}">
-                      <a16:colId xmlns:a16="http://schemas.microsoft.com/office/drawing/2014/main" val="20000"/>
-                    </a:ext>
-                  </a:extLst>
-                </a:gridCol>
-                <a:gridCol w="3224843">
-                  <a:extLst>
-                    <a:ext uri="{9D8B030D-6E8A-4147-A177-3AD203B41FA5}">
-                      <a16:colId xmlns:a16="http://schemas.microsoft.com/office/drawing/2014/main" val="20001"/>
-                    </a:ext>
-                  </a:extLst>
-                </a:gridCol>
-              </a:tblGrid>
-              <a:tr h="268625">
-                <a:tc gridSpan="2">
-                  <a:txBody>
-                    <a:bodyPr/>
-                    <a:lstStyle/>
-                    <a:p>
-                      <a:pPr algn="ctr" latinLnBrk="1">
-                        <a:lnSpc>
-                          <a:spcPct val="150000"/>
-                        </a:lnSpc>
-                      </a:pPr>
-                      <a:r>
-                        <a:rPr lang="en-US" altLang="ko-KR" sz="700" b="0" dirty="0">
-                          <a:solidFill>
-                            <a:schemeClr val="tx1"/>
-                          </a:solidFill>
-                          <a:latin typeface="나눔고딕" panose="020D0604000000000000" pitchFamily="50" charset="-127"/>
-                          <a:ea typeface="나눔고딕" panose="020D0604000000000000" pitchFamily="50" charset="-127"/>
-                        </a:rPr>
-                        <a:t>DESIGN</a:t>
-                      </a:r>
-                      <a:r>
-                        <a:rPr lang="en-US" altLang="ko-KR" sz="700" b="0" baseline="0" dirty="0">
-                          <a:solidFill>
-                            <a:schemeClr val="tx1"/>
-                          </a:solidFill>
-                          <a:latin typeface="나눔고딕" panose="020D0604000000000000" pitchFamily="50" charset="-127"/>
-                          <a:ea typeface="나눔고딕" panose="020D0604000000000000" pitchFamily="50" charset="-127"/>
-                        </a:rPr>
-                        <a:t> Description</a:t>
-                      </a:r>
-                      <a:endParaRPr lang="ko-KR" altLang="en-US" sz="700" b="0" dirty="0">
-                        <a:solidFill>
-                          <a:schemeClr val="tx1"/>
-                        </a:solidFill>
-                        <a:latin typeface="나눔고딕" panose="020D0604000000000000" pitchFamily="50" charset="-127"/>
-                        <a:ea typeface="나눔고딕" panose="020D0604000000000000" pitchFamily="50" charset="-127"/>
-                      </a:endParaRPr>
-                    </a:p>
-                  </a:txBody>
-                  <a:tcPr marL="109728" marR="109728" marT="0" marB="0" anchor="ctr">
-                    <a:lnL w="3175" cap="flat" cmpd="sng" algn="ctr">
-                      <a:noFill/>
-                      <a:prstDash val="solid"/>
-                      <a:round/>
-                      <a:headEnd type="none" w="med" len="med"/>
-                      <a:tailEnd type="none" w="med" len="med"/>
-                    </a:lnL>
-                    <a:lnR w="3175" cap="flat" cmpd="sng" algn="ctr">
-                      <a:noFill/>
-                      <a:prstDash val="solid"/>
-                      <a:round/>
-                      <a:headEnd type="none" w="med" len="med"/>
-                      <a:tailEnd type="none" w="med" len="med"/>
-                    </a:lnR>
-                    <a:lnT w="3175" cap="flat" cmpd="sng" algn="ctr">
-                      <a:noFill/>
-                      <a:prstDash val="solid"/>
-                      <a:round/>
-                      <a:headEnd type="none" w="med" len="med"/>
-                      <a:tailEnd type="none" w="med" len="med"/>
-                    </a:lnT>
-                    <a:lnB w="3175" cap="flat" cmpd="sng" algn="ctr">
-                      <a:solidFill>
-                        <a:schemeClr val="bg1">
-                          <a:lumMod val="75000"/>
-                        </a:schemeClr>
-                      </a:solidFill>
-                      <a:prstDash val="solid"/>
-                      <a:round/>
-                      <a:headEnd type="none" w="med" len="med"/>
-                      <a:tailEnd type="none" w="med" len="med"/>
-                    </a:lnB>
-                    <a:lnTlToBr w="12700" cmpd="sng">
-                      <a:noFill/>
-                      <a:prstDash val="solid"/>
-                    </a:lnTlToBr>
-                    <a:lnBlToTr w="12700" cmpd="sng">
-                      <a:noFill/>
-                      <a:prstDash val="solid"/>
-                    </a:lnBlToTr>
-                    <a:solidFill>
-                      <a:srgbClr val="FFFF93"/>
-                    </a:solidFill>
-                  </a:tcPr>
-                </a:tc>
-                <a:tc hMerge="1">
-                  <a:txBody>
-                    <a:bodyPr/>
-                    <a:lstStyle/>
-                    <a:p>
-                      <a:pPr latinLnBrk="1">
-                        <a:lnSpc>
-                          <a:spcPct val="150000"/>
-                        </a:lnSpc>
-                      </a:pPr>
-                      <a:endParaRPr lang="ko-KR" altLang="en-US" sz="700" b="0" dirty="0">
-                        <a:solidFill>
-                          <a:schemeClr val="tx1">
-                            <a:lumMod val="50000"/>
-                            <a:lumOff val="50000"/>
-                          </a:schemeClr>
-                        </a:solidFill>
-                        <a:latin typeface="나눔고딕" panose="020D0604000000000000" pitchFamily="50" charset="-127"/>
-                        <a:ea typeface="나눔고딕" panose="020D0604000000000000" pitchFamily="50" charset="-127"/>
-                      </a:endParaRPr>
-                    </a:p>
-                  </a:txBody>
-                  <a:tcPr anchor="ctr">
-                    <a:lnL w="3175" cap="flat" cmpd="sng" algn="ctr">
-                      <a:solidFill>
-                        <a:schemeClr val="bg1">
-                          <a:lumMod val="50000"/>
-                        </a:schemeClr>
-                      </a:solidFill>
-                      <a:prstDash val="solid"/>
-                      <a:round/>
-                      <a:headEnd type="none" w="med" len="med"/>
-                      <a:tailEnd type="none" w="med" len="med"/>
-                    </a:lnL>
-                    <a:lnR w="3175" cap="flat" cmpd="sng" algn="ctr">
-                      <a:solidFill>
-                        <a:schemeClr val="bg1">
-                          <a:lumMod val="50000"/>
-                        </a:schemeClr>
-                      </a:solidFill>
-                      <a:prstDash val="solid"/>
-                      <a:round/>
-                      <a:headEnd type="none" w="med" len="med"/>
-                      <a:tailEnd type="none" w="med" len="med"/>
-                    </a:lnR>
-                    <a:lnT w="3175" cap="flat" cmpd="sng" algn="ctr">
-                      <a:solidFill>
-                        <a:schemeClr val="bg1">
-                          <a:lumMod val="50000"/>
-                        </a:schemeClr>
-                      </a:solidFill>
-                      <a:prstDash val="solid"/>
-                      <a:round/>
-                      <a:headEnd type="none" w="med" len="med"/>
-                      <a:tailEnd type="none" w="med" len="med"/>
-                    </a:lnT>
-                    <a:lnB w="3175" cap="flat" cmpd="sng" algn="ctr">
-                      <a:solidFill>
-                        <a:schemeClr val="bg1">
-                          <a:lumMod val="50000"/>
-                        </a:schemeClr>
-                      </a:solidFill>
-                      <a:prstDash val="solid"/>
-                      <a:round/>
-                      <a:headEnd type="none" w="med" len="med"/>
-                      <a:tailEnd type="none" w="med" len="med"/>
-                    </a:lnB>
-                    <a:lnTlToBr w="12700" cmpd="sng">
-                      <a:noFill/>
-                      <a:prstDash val="solid"/>
-                    </a:lnTlToBr>
-                    <a:lnBlToTr w="12700" cmpd="sng">
-                      <a:noFill/>
-                      <a:prstDash val="solid"/>
-                    </a:lnBlToTr>
-                    <a:solidFill>
-                      <a:srgbClr val="C7A1E3"/>
-                    </a:solidFill>
-                  </a:tcPr>
-                </a:tc>
-                <a:extLst>
-                  <a:ext uri="{0D108BD9-81ED-4DB2-BD59-A6C34878D82A}">
-                    <a16:rowId xmlns:a16="http://schemas.microsoft.com/office/drawing/2014/main" val="10000"/>
-                  </a:ext>
-                </a:extLst>
-              </a:tr>
-              <a:tr h="922543">
-                <a:tc>
-                  <a:txBody>
-                    <a:bodyPr/>
-                    <a:lstStyle/>
-                    <a:p>
-                      <a:pPr algn="ctr" latinLnBrk="1">
-                        <a:lnSpc>
-                          <a:spcPct val="150000"/>
-                        </a:lnSpc>
-                      </a:pPr>
-                      <a:r>
-                        <a:rPr lang="en-US" altLang="ko-KR" sz="800" b="0" dirty="0">
-                          <a:solidFill>
-                            <a:schemeClr val="tx1">
-                              <a:lumMod val="50000"/>
-                              <a:lumOff val="50000"/>
-                            </a:schemeClr>
-                          </a:solidFill>
-                          <a:latin typeface="나눔고딕" panose="020D0604000000000000" pitchFamily="50" charset="-127"/>
-                          <a:ea typeface="나눔고딕" panose="020D0604000000000000" pitchFamily="50" charset="-127"/>
-                        </a:rPr>
-                        <a:t>1</a:t>
-                      </a:r>
-                      <a:endParaRPr lang="ko-KR" altLang="en-US" sz="800" b="0" dirty="0">
-                        <a:solidFill>
-                          <a:schemeClr val="tx1">
-                            <a:lumMod val="50000"/>
-                            <a:lumOff val="50000"/>
-                          </a:schemeClr>
-                        </a:solidFill>
-                        <a:latin typeface="나눔고딕" panose="020D0604000000000000" pitchFamily="50" charset="-127"/>
-                        <a:ea typeface="나눔고딕" panose="020D0604000000000000" pitchFamily="50" charset="-127"/>
-                      </a:endParaRPr>
-                    </a:p>
-                  </a:txBody>
-                  <a:tcPr marL="109728" marR="109728" marT="54864" marB="54864" anchor="ctr">
-                    <a:lnL w="3175" cap="flat" cmpd="sng" algn="ctr">
-                      <a:noFill/>
-                      <a:prstDash val="solid"/>
-                      <a:round/>
-                      <a:headEnd type="none" w="med" len="med"/>
-                      <a:tailEnd type="none" w="med" len="med"/>
-                    </a:lnL>
-                    <a:lnR w="3175" cap="flat" cmpd="sng" algn="ctr">
-                      <a:solidFill>
-                        <a:schemeClr val="bg1">
-                          <a:lumMod val="75000"/>
-                        </a:schemeClr>
-                      </a:solidFill>
-                      <a:prstDash val="solid"/>
-                      <a:round/>
-                      <a:headEnd type="none" w="med" len="med"/>
-                      <a:tailEnd type="none" w="med" len="med"/>
-                    </a:lnR>
-                    <a:lnT w="3175" cap="flat" cmpd="sng" algn="ctr">
-                      <a:solidFill>
-                        <a:schemeClr val="bg1">
-                          <a:lumMod val="75000"/>
-                        </a:schemeClr>
-                      </a:solidFill>
-                      <a:prstDash val="solid"/>
-                      <a:round/>
-                      <a:headEnd type="none" w="med" len="med"/>
-                      <a:tailEnd type="none" w="med" len="med"/>
-                    </a:lnT>
-                    <a:lnB w="3175" cap="flat" cmpd="sng" algn="ctr">
-                      <a:solidFill>
-                        <a:schemeClr val="bg1">
-                          <a:lumMod val="75000"/>
-                        </a:schemeClr>
-                      </a:solidFill>
-                      <a:prstDash val="solid"/>
-                      <a:round/>
-                      <a:headEnd type="none" w="med" len="med"/>
-                      <a:tailEnd type="none" w="med" len="med"/>
-                    </a:lnB>
-                    <a:lnTlToBr w="12700" cmpd="sng">
-                      <a:noFill/>
-                      <a:prstDash val="solid"/>
-                    </a:lnTlToBr>
-                    <a:lnBlToTr w="12700" cmpd="sng">
-                      <a:noFill/>
-                      <a:prstDash val="solid"/>
-                    </a:lnBlToTr>
-                    <a:noFill/>
-                  </a:tcPr>
-                </a:tc>
-                <a:tc>
-                  <a:txBody>
-                    <a:bodyPr/>
-                    <a:lstStyle/>
-                    <a:p>
-                      <a:pPr marL="0" marR="0" indent="0" algn="l" defTabSz="914400" rtl="0" eaLnBrk="1" fontAlgn="auto" latinLnBrk="1" hangingPunct="1">
-                        <a:lnSpc>
-                          <a:spcPct val="150000"/>
-                        </a:lnSpc>
-                        <a:spcBef>
-                          <a:spcPts val="0"/>
-                        </a:spcBef>
-                        <a:spcAft>
-                          <a:spcPts val="0"/>
-                        </a:spcAft>
-                        <a:buClr>
-                          <a:srgbClr val="FF0000"/>
-                        </a:buClr>
-                        <a:buSzTx/>
-                        <a:buFont typeface="+mj-ea"/>
-                        <a:buNone/>
-                        <a:tabLst/>
-                        <a:defRPr/>
-                      </a:pPr>
-                      <a:r>
-                        <a:rPr lang="ko-KR" altLang="en-US" sz="800" dirty="0" err="1">
-                          <a:solidFill>
-                            <a:schemeClr val="tx1">
-                              <a:lumMod val="50000"/>
-                              <a:lumOff val="50000"/>
-                            </a:schemeClr>
-                          </a:solidFill>
-                          <a:latin typeface="나눔고딕" panose="020D0604000000000000" pitchFamily="50" charset="-127"/>
-                          <a:ea typeface="나눔고딕" panose="020D0604000000000000" pitchFamily="50" charset="-127"/>
-                          <a:sym typeface="Wingdings" panose="05000000000000000000" pitchFamily="2" charset="2"/>
-                        </a:rPr>
-                        <a:t>프리모아</a:t>
-                      </a:r>
-                      <a:r>
-                        <a:rPr lang="ko-KR" altLang="en-US" sz="800" dirty="0">
-                          <a:solidFill>
-                            <a:schemeClr val="tx1">
-                              <a:lumMod val="50000"/>
-                              <a:lumOff val="50000"/>
-                            </a:schemeClr>
-                          </a:solidFill>
-                          <a:latin typeface="나눔고딕" panose="020D0604000000000000" pitchFamily="50" charset="-127"/>
-                          <a:ea typeface="나눔고딕" panose="020D0604000000000000" pitchFamily="50" charset="-127"/>
-                          <a:sym typeface="Wingdings" panose="05000000000000000000" pitchFamily="2" charset="2"/>
-                        </a:rPr>
-                        <a:t> 로고 포함 디자인</a:t>
-                      </a:r>
-                      <a:r>
-                        <a:rPr lang="en-US" altLang="ko-KR" sz="800" dirty="0">
-                          <a:solidFill>
-                            <a:schemeClr val="tx1">
-                              <a:lumMod val="50000"/>
-                              <a:lumOff val="50000"/>
-                            </a:schemeClr>
-                          </a:solidFill>
-                          <a:latin typeface="나눔고딕" panose="020D0604000000000000" pitchFamily="50" charset="-127"/>
-                          <a:ea typeface="나눔고딕" panose="020D0604000000000000" pitchFamily="50" charset="-127"/>
-                          <a:sym typeface="Wingdings" panose="05000000000000000000" pitchFamily="2" charset="2"/>
-                        </a:rPr>
-                        <a:t>.</a:t>
-                      </a:r>
-                    </a:p>
-                    <a:p>
-                      <a:pPr marL="0" marR="0" indent="0" algn="l" defTabSz="914400" rtl="0" eaLnBrk="1" fontAlgn="auto" latinLnBrk="1" hangingPunct="1">
-                        <a:lnSpc>
-                          <a:spcPct val="150000"/>
-                        </a:lnSpc>
-                        <a:spcBef>
-                          <a:spcPts val="0"/>
-                        </a:spcBef>
-                        <a:spcAft>
-                          <a:spcPts val="0"/>
-                        </a:spcAft>
-                        <a:buClr>
-                          <a:srgbClr val="FF0000"/>
-                        </a:buClr>
-                        <a:buSzTx/>
-                        <a:buFont typeface="+mj-ea"/>
-                        <a:buNone/>
-                        <a:tabLst/>
-                        <a:defRPr/>
-                      </a:pPr>
-                      <a:r>
-                        <a:rPr lang="ko-KR" altLang="en-US" sz="800" dirty="0">
-                          <a:solidFill>
-                            <a:schemeClr val="tx1">
-                              <a:lumMod val="50000"/>
-                              <a:lumOff val="50000"/>
-                            </a:schemeClr>
-                          </a:solidFill>
-                          <a:latin typeface="나눔고딕" panose="020D0604000000000000" pitchFamily="50" charset="-127"/>
-                          <a:ea typeface="나눔고딕" panose="020D0604000000000000" pitchFamily="50" charset="-127"/>
-                          <a:sym typeface="Wingdings" panose="05000000000000000000" pitchFamily="2" charset="2"/>
-                        </a:rPr>
-                        <a:t>메인 랜딩이기 때문에 간결하고 컬러는 로고 내 컬러와 통일감을 주되 신뢰감 있는 컬러 위주로 사용</a:t>
-                      </a:r>
-                      <a:r>
-                        <a:rPr lang="en-US" altLang="ko-KR" sz="800" dirty="0">
-                          <a:solidFill>
-                            <a:schemeClr val="tx1">
-                              <a:lumMod val="50000"/>
-                              <a:lumOff val="50000"/>
-                            </a:schemeClr>
-                          </a:solidFill>
-                          <a:latin typeface="나눔고딕" panose="020D0604000000000000" pitchFamily="50" charset="-127"/>
-                          <a:ea typeface="나눔고딕" panose="020D0604000000000000" pitchFamily="50" charset="-127"/>
-                          <a:sym typeface="Wingdings" panose="05000000000000000000" pitchFamily="2" charset="2"/>
-                        </a:rPr>
-                        <a:t>, </a:t>
-                      </a:r>
-                      <a:r>
-                        <a:rPr lang="ko-KR" altLang="en-US" sz="800" dirty="0" err="1">
-                          <a:solidFill>
-                            <a:schemeClr val="tx1">
-                              <a:lumMod val="50000"/>
-                              <a:lumOff val="50000"/>
-                            </a:schemeClr>
-                          </a:solidFill>
-                          <a:latin typeface="나눔고딕" panose="020D0604000000000000" pitchFamily="50" charset="-127"/>
-                          <a:ea typeface="나눔고딕" panose="020D0604000000000000" pitchFamily="50" charset="-127"/>
-                          <a:sym typeface="Wingdings" panose="05000000000000000000" pitchFamily="2" charset="2"/>
-                        </a:rPr>
-                        <a:t>가독성</a:t>
-                      </a:r>
-                      <a:r>
-                        <a:rPr lang="ko-KR" altLang="en-US" sz="800" dirty="0">
-                          <a:solidFill>
-                            <a:schemeClr val="tx1">
-                              <a:lumMod val="50000"/>
-                              <a:lumOff val="50000"/>
-                            </a:schemeClr>
-                          </a:solidFill>
-                          <a:latin typeface="나눔고딕" panose="020D0604000000000000" pitchFamily="50" charset="-127"/>
-                          <a:ea typeface="나눔고딕" panose="020D0604000000000000" pitchFamily="50" charset="-127"/>
-                          <a:sym typeface="Wingdings" panose="05000000000000000000" pitchFamily="2" charset="2"/>
-                        </a:rPr>
-                        <a:t> 중요</a:t>
-                      </a:r>
-                      <a:r>
-                        <a:rPr lang="en-US" altLang="ko-KR" sz="800" dirty="0">
-                          <a:solidFill>
-                            <a:schemeClr val="tx1">
-                              <a:lumMod val="50000"/>
-                              <a:lumOff val="50000"/>
-                            </a:schemeClr>
-                          </a:solidFill>
-                          <a:latin typeface="나눔고딕" panose="020D0604000000000000" pitchFamily="50" charset="-127"/>
-                          <a:ea typeface="나눔고딕" panose="020D0604000000000000" pitchFamily="50" charset="-127"/>
-                          <a:sym typeface="Wingdings" panose="05000000000000000000" pitchFamily="2" charset="2"/>
-                        </a:rPr>
-                        <a:t>.</a:t>
-                      </a:r>
-                    </a:p>
-                  </a:txBody>
-                  <a:tcPr marL="109728" marR="109728" marT="54864" marB="54864" anchor="ctr">
-                    <a:lnL w="3175" cap="flat" cmpd="sng" algn="ctr">
-                      <a:solidFill>
-                        <a:schemeClr val="bg1">
-                          <a:lumMod val="75000"/>
-                        </a:schemeClr>
-                      </a:solidFill>
-                      <a:prstDash val="solid"/>
-                      <a:round/>
-                      <a:headEnd type="none" w="med" len="med"/>
-                      <a:tailEnd type="none" w="med" len="med"/>
-                    </a:lnL>
-                    <a:lnR w="3175" cap="flat" cmpd="sng" algn="ctr">
-                      <a:noFill/>
-                      <a:prstDash val="solid"/>
-                      <a:round/>
-                      <a:headEnd type="none" w="med" len="med"/>
-                      <a:tailEnd type="none" w="med" len="med"/>
-                    </a:lnR>
-                    <a:lnT w="3175" cap="flat" cmpd="sng" algn="ctr">
-                      <a:solidFill>
-                        <a:schemeClr val="bg1">
-                          <a:lumMod val="75000"/>
-                        </a:schemeClr>
-                      </a:solidFill>
-                      <a:prstDash val="solid"/>
-                      <a:round/>
-                      <a:headEnd type="none" w="med" len="med"/>
-                      <a:tailEnd type="none" w="med" len="med"/>
-                    </a:lnT>
-                    <a:lnB w="3175" cap="flat" cmpd="sng" algn="ctr">
-                      <a:solidFill>
-                        <a:schemeClr val="bg1">
-                          <a:lumMod val="75000"/>
-                        </a:schemeClr>
-                      </a:solidFill>
-                      <a:prstDash val="solid"/>
-                      <a:round/>
-                      <a:headEnd type="none" w="med" len="med"/>
-                      <a:tailEnd type="none" w="med" len="med"/>
-                    </a:lnB>
-                    <a:lnTlToBr w="12700" cmpd="sng">
-                      <a:noFill/>
-                      <a:prstDash val="solid"/>
-                    </a:lnTlToBr>
-                    <a:lnBlToTr w="12700" cmpd="sng">
-                      <a:noFill/>
-                      <a:prstDash val="solid"/>
-                    </a:lnBlToTr>
-                    <a:noFill/>
-                  </a:tcPr>
-                </a:tc>
-                <a:extLst>
-                  <a:ext uri="{0D108BD9-81ED-4DB2-BD59-A6C34878D82A}">
-                    <a16:rowId xmlns:a16="http://schemas.microsoft.com/office/drawing/2014/main" val="10001"/>
-                  </a:ext>
-                </a:extLst>
-              </a:tr>
-              <a:tr h="514368">
-                <a:tc>
-                  <a:txBody>
-                    <a:bodyPr/>
-                    <a:lstStyle/>
-                    <a:p>
-                      <a:pPr algn="ctr" latinLnBrk="1">
-                        <a:lnSpc>
-                          <a:spcPct val="150000"/>
-                        </a:lnSpc>
-                      </a:pPr>
-                      <a:r>
-                        <a:rPr lang="en-US" altLang="ko-KR" sz="800" b="0" dirty="0">
-                          <a:solidFill>
-                            <a:schemeClr val="tx1">
-                              <a:lumMod val="50000"/>
-                              <a:lumOff val="50000"/>
-                            </a:schemeClr>
-                          </a:solidFill>
-                          <a:latin typeface="나눔고딕" panose="020D0604000000000000" pitchFamily="50" charset="-127"/>
-                          <a:ea typeface="나눔고딕" panose="020D0604000000000000" pitchFamily="50" charset="-127"/>
-                        </a:rPr>
-                        <a:t>2, 3</a:t>
-                      </a:r>
-                      <a:endParaRPr lang="ko-KR" altLang="en-US" sz="800" b="0" dirty="0">
-                        <a:solidFill>
-                          <a:schemeClr val="tx1">
-                            <a:lumMod val="50000"/>
-                            <a:lumOff val="50000"/>
-                          </a:schemeClr>
-                        </a:solidFill>
-                        <a:latin typeface="나눔고딕" panose="020D0604000000000000" pitchFamily="50" charset="-127"/>
-                        <a:ea typeface="나눔고딕" panose="020D0604000000000000" pitchFamily="50" charset="-127"/>
-                      </a:endParaRPr>
-                    </a:p>
-                  </a:txBody>
-                  <a:tcPr marL="109728" marR="109728" marT="54864" marB="54864" anchor="ctr">
-                    <a:lnL w="3175" cap="flat" cmpd="sng" algn="ctr">
-                      <a:noFill/>
-                      <a:prstDash val="solid"/>
-                      <a:round/>
-                      <a:headEnd type="none" w="med" len="med"/>
-                      <a:tailEnd type="none" w="med" len="med"/>
-                    </a:lnL>
-                    <a:lnR w="3175" cap="flat" cmpd="sng" algn="ctr">
-                      <a:solidFill>
-                        <a:schemeClr val="bg1">
-                          <a:lumMod val="75000"/>
-                        </a:schemeClr>
-                      </a:solidFill>
-                      <a:prstDash val="solid"/>
-                      <a:round/>
-                      <a:headEnd type="none" w="med" len="med"/>
-                      <a:tailEnd type="none" w="med" len="med"/>
-                    </a:lnR>
-                    <a:lnT w="3175" cap="flat" cmpd="sng" algn="ctr">
-                      <a:solidFill>
-                        <a:schemeClr val="bg1">
-                          <a:lumMod val="75000"/>
-                        </a:schemeClr>
-                      </a:solidFill>
-                      <a:prstDash val="solid"/>
-                      <a:round/>
-                      <a:headEnd type="none" w="med" len="med"/>
-                      <a:tailEnd type="none" w="med" len="med"/>
-                    </a:lnT>
-                    <a:lnB w="3175" cap="flat" cmpd="sng" algn="ctr">
-                      <a:solidFill>
-                        <a:schemeClr val="bg1">
-                          <a:lumMod val="75000"/>
-                        </a:schemeClr>
-                      </a:solidFill>
-                      <a:prstDash val="solid"/>
-                      <a:round/>
-                      <a:headEnd type="none" w="med" len="med"/>
-                      <a:tailEnd type="none" w="med" len="med"/>
-                    </a:lnB>
-                    <a:lnTlToBr w="12700" cmpd="sng">
-                      <a:noFill/>
-                      <a:prstDash val="solid"/>
-                    </a:lnTlToBr>
-                    <a:lnBlToTr w="12700" cmpd="sng">
-                      <a:noFill/>
-                      <a:prstDash val="solid"/>
-                    </a:lnBlToTr>
-                    <a:noFill/>
-                  </a:tcPr>
-                </a:tc>
-                <a:tc>
-                  <a:txBody>
-                    <a:bodyPr/>
-                    <a:lstStyle/>
-                    <a:p>
-                      <a:pPr marL="0" indent="0">
-                        <a:lnSpc>
-                          <a:spcPct val="150000"/>
-                        </a:lnSpc>
-                        <a:buClr>
-                          <a:srgbClr val="FF0000"/>
-                        </a:buClr>
-                        <a:buFont typeface="+mj-ea"/>
-                        <a:buNone/>
-                      </a:pPr>
-                      <a:r>
-                        <a:rPr lang="ko-KR" altLang="en-US" sz="800" dirty="0">
-                          <a:solidFill>
-                            <a:schemeClr val="tx1">
-                              <a:lumMod val="50000"/>
-                              <a:lumOff val="50000"/>
-                            </a:schemeClr>
-                          </a:solidFill>
-                          <a:latin typeface="나눔고딕" panose="020D0604000000000000" pitchFamily="50" charset="-127"/>
-                          <a:ea typeface="나눔고딕" panose="020D0604000000000000" pitchFamily="50" charset="-127"/>
-                          <a:sym typeface="Wingdings" panose="05000000000000000000" pitchFamily="2" charset="2"/>
-                        </a:rPr>
-                        <a:t>명확히 구분되는 버튼 컬러 사용</a:t>
-                      </a:r>
-                      <a:endParaRPr lang="en-US" altLang="ko-KR" sz="800" dirty="0">
-                        <a:solidFill>
-                          <a:schemeClr val="tx1">
-                            <a:lumMod val="50000"/>
-                            <a:lumOff val="50000"/>
-                          </a:schemeClr>
-                        </a:solidFill>
-                        <a:latin typeface="나눔고딕" panose="020D0604000000000000" pitchFamily="50" charset="-127"/>
-                        <a:ea typeface="나눔고딕" panose="020D0604000000000000" pitchFamily="50" charset="-127"/>
-                        <a:sym typeface="Wingdings" panose="05000000000000000000" pitchFamily="2" charset="2"/>
-                      </a:endParaRPr>
-                    </a:p>
-                  </a:txBody>
-                  <a:tcPr marL="109728" marR="109728" marT="54864" marB="54864" anchor="ctr">
-                    <a:lnL w="3175" cap="flat" cmpd="sng" algn="ctr">
-                      <a:solidFill>
-                        <a:schemeClr val="bg1">
-                          <a:lumMod val="75000"/>
-                        </a:schemeClr>
-                      </a:solidFill>
-                      <a:prstDash val="solid"/>
-                      <a:round/>
-                      <a:headEnd type="none" w="med" len="med"/>
-                      <a:tailEnd type="none" w="med" len="med"/>
-                    </a:lnL>
-                    <a:lnR w="3175" cap="flat" cmpd="sng" algn="ctr">
-                      <a:noFill/>
-                      <a:prstDash val="solid"/>
-                      <a:round/>
-                      <a:headEnd type="none" w="med" len="med"/>
-                      <a:tailEnd type="none" w="med" len="med"/>
-                    </a:lnR>
-                    <a:lnT w="3175" cap="flat" cmpd="sng" algn="ctr">
-                      <a:solidFill>
-                        <a:schemeClr val="bg1">
-                          <a:lumMod val="75000"/>
-                        </a:schemeClr>
-                      </a:solidFill>
-                      <a:prstDash val="solid"/>
-                      <a:round/>
-                      <a:headEnd type="none" w="med" len="med"/>
-                      <a:tailEnd type="none" w="med" len="med"/>
-                    </a:lnT>
-                    <a:lnB w="3175" cap="flat" cmpd="sng" algn="ctr">
-                      <a:solidFill>
-                        <a:schemeClr val="bg1">
-                          <a:lumMod val="75000"/>
-                        </a:schemeClr>
-                      </a:solidFill>
-                      <a:prstDash val="solid"/>
-                      <a:round/>
-                      <a:headEnd type="none" w="med" len="med"/>
-                      <a:tailEnd type="none" w="med" len="med"/>
-                    </a:lnB>
-                    <a:lnTlToBr w="12700" cmpd="sng">
-                      <a:noFill/>
-                      <a:prstDash val="solid"/>
-                    </a:lnTlToBr>
-                    <a:lnBlToTr w="12700" cmpd="sng">
-                      <a:noFill/>
-                      <a:prstDash val="solid"/>
-                    </a:lnBlToTr>
-                    <a:noFill/>
-                  </a:tcPr>
-                </a:tc>
-                <a:extLst>
-                  <a:ext uri="{0D108BD9-81ED-4DB2-BD59-A6C34878D82A}">
-                    <a16:rowId xmlns:a16="http://schemas.microsoft.com/office/drawing/2014/main" val="10002"/>
-                  </a:ext>
-                </a:extLst>
-              </a:tr>
-              <a:tr h="514368">
-                <a:tc>
-                  <a:txBody>
-                    <a:bodyPr/>
-                    <a:lstStyle/>
-                    <a:p>
-                      <a:pPr algn="ctr" latinLnBrk="1">
-                        <a:lnSpc>
-                          <a:spcPct val="150000"/>
-                        </a:lnSpc>
-                      </a:pPr>
-                      <a:r>
-                        <a:rPr lang="en-US" altLang="ko-KR" sz="800" b="0" dirty="0">
-                          <a:solidFill>
-                            <a:schemeClr val="tx1">
-                              <a:lumMod val="50000"/>
-                              <a:lumOff val="50000"/>
-                            </a:schemeClr>
-                          </a:solidFill>
-                          <a:latin typeface="나눔고딕" panose="020D0604000000000000" pitchFamily="50" charset="-127"/>
-                          <a:ea typeface="나눔고딕" panose="020D0604000000000000" pitchFamily="50" charset="-127"/>
-                        </a:rPr>
-                        <a:t>4</a:t>
-                      </a:r>
-                      <a:endParaRPr lang="ko-KR" altLang="en-US" sz="800" b="0" dirty="0">
-                        <a:solidFill>
-                          <a:schemeClr val="tx1">
-                            <a:lumMod val="50000"/>
-                            <a:lumOff val="50000"/>
-                          </a:schemeClr>
-                        </a:solidFill>
-                        <a:latin typeface="나눔고딕" panose="020D0604000000000000" pitchFamily="50" charset="-127"/>
-                        <a:ea typeface="나눔고딕" panose="020D0604000000000000" pitchFamily="50" charset="-127"/>
-                      </a:endParaRPr>
-                    </a:p>
-                  </a:txBody>
-                  <a:tcPr marL="109728" marR="109728" marT="54864" marB="54864" anchor="ctr">
-                    <a:lnL w="3175" cap="flat" cmpd="sng" algn="ctr">
-                      <a:noFill/>
-                      <a:prstDash val="solid"/>
-                      <a:round/>
-                      <a:headEnd type="none" w="med" len="med"/>
-                      <a:tailEnd type="none" w="med" len="med"/>
-                    </a:lnL>
-                    <a:lnR w="3175" cap="flat" cmpd="sng" algn="ctr">
-                      <a:solidFill>
-                        <a:schemeClr val="bg1">
-                          <a:lumMod val="75000"/>
-                        </a:schemeClr>
-                      </a:solidFill>
-                      <a:prstDash val="solid"/>
-                      <a:round/>
-                      <a:headEnd type="none" w="med" len="med"/>
-                      <a:tailEnd type="none" w="med" len="med"/>
-                    </a:lnR>
-                    <a:lnT w="3175" cap="flat" cmpd="sng" algn="ctr">
-                      <a:solidFill>
-                        <a:schemeClr val="bg1">
-                          <a:lumMod val="75000"/>
-                        </a:schemeClr>
-                      </a:solidFill>
-                      <a:prstDash val="solid"/>
-                      <a:round/>
-                      <a:headEnd type="none" w="med" len="med"/>
-                      <a:tailEnd type="none" w="med" len="med"/>
-                    </a:lnT>
-                    <a:lnB w="3175" cap="flat" cmpd="sng" algn="ctr">
-                      <a:solidFill>
-                        <a:schemeClr val="bg1">
-                          <a:lumMod val="75000"/>
-                        </a:schemeClr>
-                      </a:solidFill>
-                      <a:prstDash val="solid"/>
-                      <a:round/>
-                      <a:headEnd type="none" w="med" len="med"/>
-                      <a:tailEnd type="none" w="med" len="med"/>
-                    </a:lnB>
-                    <a:lnTlToBr w="12700" cmpd="sng">
-                      <a:noFill/>
-                      <a:prstDash val="solid"/>
-                    </a:lnTlToBr>
-                    <a:lnBlToTr w="12700" cmpd="sng">
-                      <a:noFill/>
-                      <a:prstDash val="solid"/>
-                    </a:lnBlToTr>
-                    <a:noFill/>
-                  </a:tcPr>
-                </a:tc>
-                <a:tc>
-                  <a:txBody>
-                    <a:bodyPr/>
-                    <a:lstStyle/>
-                    <a:p>
-                      <a:pPr marL="0" marR="0" indent="0" algn="l" defTabSz="914400" rtl="0" eaLnBrk="1" fontAlgn="auto" latinLnBrk="1" hangingPunct="1">
-                        <a:lnSpc>
-                          <a:spcPct val="150000"/>
-                        </a:lnSpc>
-                        <a:spcBef>
-                          <a:spcPts val="0"/>
-                        </a:spcBef>
-                        <a:spcAft>
-                          <a:spcPts val="0"/>
-                        </a:spcAft>
-                        <a:buClrTx/>
-                        <a:buSzTx/>
-                        <a:buFontTx/>
-                        <a:buNone/>
-                        <a:tabLst/>
-                        <a:defRPr/>
-                      </a:pPr>
-                      <a:r>
-                        <a:rPr lang="ko-KR" altLang="en-US" sz="800" dirty="0">
-                          <a:solidFill>
-                            <a:schemeClr val="tx1">
-                              <a:lumMod val="50000"/>
-                              <a:lumOff val="50000"/>
-                            </a:schemeClr>
-                          </a:solidFill>
-                          <a:latin typeface="나눔고딕" panose="020D0604000000000000" pitchFamily="50" charset="-127"/>
-                          <a:ea typeface="나눔고딕" panose="020D0604000000000000" pitchFamily="50" charset="-127"/>
-                          <a:sym typeface="Wingdings" panose="05000000000000000000" pitchFamily="2" charset="2"/>
-                        </a:rPr>
-                        <a:t>일러스트로 이미지 삽입</a:t>
-                      </a:r>
-                      <a:endParaRPr lang="en-US" altLang="ko-KR" sz="800" dirty="0">
-                        <a:solidFill>
-                          <a:schemeClr val="tx1">
-                            <a:lumMod val="50000"/>
-                            <a:lumOff val="50000"/>
-                          </a:schemeClr>
-                        </a:solidFill>
-                        <a:latin typeface="나눔고딕" panose="020D0604000000000000" pitchFamily="50" charset="-127"/>
-                        <a:ea typeface="나눔고딕" panose="020D0604000000000000" pitchFamily="50" charset="-127"/>
-                        <a:sym typeface="Wingdings" panose="05000000000000000000" pitchFamily="2" charset="2"/>
-                      </a:endParaRPr>
-                    </a:p>
-                  </a:txBody>
-                  <a:tcPr marL="109728" marR="109728" marT="54864" marB="54864" anchor="ctr">
-                    <a:lnL w="3175" cap="flat" cmpd="sng" algn="ctr">
-                      <a:solidFill>
-                        <a:schemeClr val="bg1">
-                          <a:lumMod val="75000"/>
-                        </a:schemeClr>
-                      </a:solidFill>
-                      <a:prstDash val="solid"/>
-                      <a:round/>
-                      <a:headEnd type="none" w="med" len="med"/>
-                      <a:tailEnd type="none" w="med" len="med"/>
-                    </a:lnL>
-                    <a:lnR w="3175" cap="flat" cmpd="sng" algn="ctr">
-                      <a:noFill/>
-                      <a:prstDash val="solid"/>
-                      <a:round/>
-                      <a:headEnd type="none" w="med" len="med"/>
-                      <a:tailEnd type="none" w="med" len="med"/>
-                    </a:lnR>
-                    <a:lnT w="3175" cap="flat" cmpd="sng" algn="ctr">
-                      <a:solidFill>
-                        <a:schemeClr val="bg1">
-                          <a:lumMod val="75000"/>
-                        </a:schemeClr>
-                      </a:solidFill>
-                      <a:prstDash val="solid"/>
-                      <a:round/>
-                      <a:headEnd type="none" w="med" len="med"/>
-                      <a:tailEnd type="none" w="med" len="med"/>
-                    </a:lnT>
-                    <a:lnB w="3175" cap="flat" cmpd="sng" algn="ctr">
-                      <a:solidFill>
-                        <a:schemeClr val="bg1">
-                          <a:lumMod val="75000"/>
-                        </a:schemeClr>
-                      </a:solidFill>
-                      <a:prstDash val="solid"/>
-                      <a:round/>
-                      <a:headEnd type="none" w="med" len="med"/>
-                      <a:tailEnd type="none" w="med" len="med"/>
-                    </a:lnB>
-                    <a:lnTlToBr w="12700" cmpd="sng">
-                      <a:noFill/>
-                      <a:prstDash val="solid"/>
-                    </a:lnTlToBr>
-                    <a:lnBlToTr w="12700" cmpd="sng">
-                      <a:noFill/>
-                      <a:prstDash val="solid"/>
-                    </a:lnBlToTr>
-                    <a:noFill/>
-                  </a:tcPr>
-                </a:tc>
-                <a:extLst>
-                  <a:ext uri="{0D108BD9-81ED-4DB2-BD59-A6C34878D82A}">
-                    <a16:rowId xmlns:a16="http://schemas.microsoft.com/office/drawing/2014/main" val="10003"/>
-                  </a:ext>
-                </a:extLst>
-              </a:tr>
-              <a:tr h="514368">
-                <a:tc>
-                  <a:txBody>
-                    <a:bodyPr/>
-                    <a:lstStyle/>
-                    <a:p>
-                      <a:pPr algn="ctr" latinLnBrk="1">
-                        <a:lnSpc>
-                          <a:spcPct val="150000"/>
-                        </a:lnSpc>
-                      </a:pPr>
-                      <a:r>
-                        <a:rPr lang="en-US" altLang="ko-KR" sz="800" b="0" dirty="0">
-                          <a:solidFill>
-                            <a:schemeClr val="tx1">
-                              <a:lumMod val="50000"/>
-                              <a:lumOff val="50000"/>
-                            </a:schemeClr>
-                          </a:solidFill>
-                          <a:latin typeface="나눔고딕" panose="020D0604000000000000" pitchFamily="50" charset="-127"/>
-                          <a:ea typeface="나눔고딕" panose="020D0604000000000000" pitchFamily="50" charset="-127"/>
-                        </a:rPr>
-                        <a:t>5</a:t>
-                      </a:r>
-                      <a:endParaRPr lang="ko-KR" altLang="en-US" sz="800" b="0" dirty="0">
-                        <a:solidFill>
-                          <a:schemeClr val="tx1">
-                            <a:lumMod val="50000"/>
-                            <a:lumOff val="50000"/>
-                          </a:schemeClr>
-                        </a:solidFill>
-                        <a:latin typeface="나눔고딕" panose="020D0604000000000000" pitchFamily="50" charset="-127"/>
-                        <a:ea typeface="나눔고딕" panose="020D0604000000000000" pitchFamily="50" charset="-127"/>
-                      </a:endParaRPr>
-                    </a:p>
-                  </a:txBody>
-                  <a:tcPr marL="109728" marR="109728" marT="54864" marB="54864" anchor="ctr">
-                    <a:lnL w="3175" cap="flat" cmpd="sng" algn="ctr">
-                      <a:noFill/>
-                      <a:prstDash val="solid"/>
-                      <a:round/>
-                      <a:headEnd type="none" w="med" len="med"/>
-                      <a:tailEnd type="none" w="med" len="med"/>
-                    </a:lnL>
-                    <a:lnR w="3175" cap="flat" cmpd="sng" algn="ctr">
-                      <a:solidFill>
-                        <a:schemeClr val="bg1">
-                          <a:lumMod val="75000"/>
-                        </a:schemeClr>
-                      </a:solidFill>
-                      <a:prstDash val="solid"/>
-                      <a:round/>
-                      <a:headEnd type="none" w="med" len="med"/>
-                      <a:tailEnd type="none" w="med" len="med"/>
-                    </a:lnR>
-                    <a:lnT w="3175" cap="flat" cmpd="sng" algn="ctr">
-                      <a:solidFill>
-                        <a:schemeClr val="bg1">
-                          <a:lumMod val="75000"/>
-                        </a:schemeClr>
-                      </a:solidFill>
-                      <a:prstDash val="solid"/>
-                      <a:round/>
-                      <a:headEnd type="none" w="med" len="med"/>
-                      <a:tailEnd type="none" w="med" len="med"/>
-                    </a:lnT>
-                    <a:lnB w="3175" cap="flat" cmpd="sng" algn="ctr">
-                      <a:solidFill>
-                        <a:schemeClr val="bg1">
-                          <a:lumMod val="75000"/>
-                        </a:schemeClr>
-                      </a:solidFill>
-                      <a:prstDash val="solid"/>
-                      <a:round/>
-                      <a:headEnd type="none" w="med" len="med"/>
-                      <a:tailEnd type="none" w="med" len="med"/>
-                    </a:lnB>
-                    <a:lnTlToBr w="12700" cmpd="sng">
-                      <a:noFill/>
-                      <a:prstDash val="solid"/>
-                    </a:lnTlToBr>
-                    <a:lnBlToTr w="12700" cmpd="sng">
-                      <a:noFill/>
-                      <a:prstDash val="solid"/>
-                    </a:lnBlToTr>
-                    <a:noFill/>
-                  </a:tcPr>
-                </a:tc>
-                <a:tc>
-                  <a:txBody>
-                    <a:bodyPr/>
-                    <a:lstStyle/>
-                    <a:p>
-                      <a:pPr marL="0" marR="0" indent="0" algn="l" defTabSz="914400" rtl="0" eaLnBrk="1" fontAlgn="auto" latinLnBrk="1" hangingPunct="1">
-                        <a:lnSpc>
-                          <a:spcPct val="150000"/>
-                        </a:lnSpc>
-                        <a:spcBef>
-                          <a:spcPts val="0"/>
-                        </a:spcBef>
-                        <a:spcAft>
-                          <a:spcPts val="0"/>
-                        </a:spcAft>
-                        <a:buClrTx/>
-                        <a:buSzTx/>
-                        <a:buFontTx/>
-                        <a:buNone/>
-                        <a:tabLst/>
-                        <a:defRPr/>
-                      </a:pPr>
-                      <a:endParaRPr lang="en-US" altLang="ko-KR" sz="800" dirty="0">
-                        <a:solidFill>
-                          <a:schemeClr val="tx1">
-                            <a:lumMod val="50000"/>
-                            <a:lumOff val="50000"/>
-                          </a:schemeClr>
-                        </a:solidFill>
-                        <a:latin typeface="나눔고딕" panose="020D0604000000000000" pitchFamily="50" charset="-127"/>
-                        <a:ea typeface="나눔고딕" panose="020D0604000000000000" pitchFamily="50" charset="-127"/>
-                        <a:sym typeface="Wingdings" panose="05000000000000000000" pitchFamily="2" charset="2"/>
-                      </a:endParaRPr>
-                    </a:p>
-                  </a:txBody>
-                  <a:tcPr marL="109728" marR="109728" marT="54864" marB="54864" anchor="ctr">
-                    <a:lnL w="3175" cap="flat" cmpd="sng" algn="ctr">
-                      <a:solidFill>
-                        <a:schemeClr val="bg1">
-                          <a:lumMod val="75000"/>
-                        </a:schemeClr>
-                      </a:solidFill>
-                      <a:prstDash val="solid"/>
-                      <a:round/>
-                      <a:headEnd type="none" w="med" len="med"/>
-                      <a:tailEnd type="none" w="med" len="med"/>
-                    </a:lnL>
-                    <a:lnR w="3175" cap="flat" cmpd="sng" algn="ctr">
-                      <a:noFill/>
-                      <a:prstDash val="solid"/>
-                      <a:round/>
-                      <a:headEnd type="none" w="med" len="med"/>
-                      <a:tailEnd type="none" w="med" len="med"/>
-                    </a:lnR>
-                    <a:lnT w="3175" cap="flat" cmpd="sng" algn="ctr">
-                      <a:solidFill>
-                        <a:schemeClr val="bg1">
-                          <a:lumMod val="75000"/>
-                        </a:schemeClr>
-                      </a:solidFill>
-                      <a:prstDash val="solid"/>
-                      <a:round/>
-                      <a:headEnd type="none" w="med" len="med"/>
-                      <a:tailEnd type="none" w="med" len="med"/>
-                    </a:lnT>
-                    <a:lnB w="3175" cap="flat" cmpd="sng" algn="ctr">
-                      <a:solidFill>
-                        <a:schemeClr val="bg1">
-                          <a:lumMod val="75000"/>
-                        </a:schemeClr>
-                      </a:solidFill>
-                      <a:prstDash val="solid"/>
-                      <a:round/>
-                      <a:headEnd type="none" w="med" len="med"/>
-                      <a:tailEnd type="none" w="med" len="med"/>
-                    </a:lnB>
-                    <a:lnTlToBr w="12700" cmpd="sng">
-                      <a:noFill/>
-                      <a:prstDash val="solid"/>
-                    </a:lnTlToBr>
-                    <a:lnBlToTr w="12700" cmpd="sng">
-                      <a:noFill/>
-                      <a:prstDash val="solid"/>
-                    </a:lnBlToTr>
-                    <a:noFill/>
-                  </a:tcPr>
-                </a:tc>
-                <a:extLst>
-                  <a:ext uri="{0D108BD9-81ED-4DB2-BD59-A6C34878D82A}">
-                    <a16:rowId xmlns:a16="http://schemas.microsoft.com/office/drawing/2014/main" val="10004"/>
-                  </a:ext>
-                </a:extLst>
-              </a:tr>
-              <a:tr h="514368">
-                <a:tc>
-                  <a:txBody>
-                    <a:bodyPr/>
-                    <a:lstStyle/>
-                    <a:p>
-                      <a:pPr algn="ctr" latinLnBrk="1">
-                        <a:lnSpc>
-                          <a:spcPct val="150000"/>
-                        </a:lnSpc>
-                      </a:pPr>
-                      <a:r>
-                        <a:rPr lang="en-US" altLang="ko-KR" sz="800" b="0" dirty="0">
-                          <a:solidFill>
-                            <a:schemeClr val="tx1">
-                              <a:lumMod val="50000"/>
-                              <a:lumOff val="50000"/>
-                            </a:schemeClr>
-                          </a:solidFill>
-                          <a:latin typeface="나눔고딕" panose="020D0604000000000000" pitchFamily="50" charset="-127"/>
-                          <a:ea typeface="나눔고딕" panose="020D0604000000000000" pitchFamily="50" charset="-127"/>
-                        </a:rPr>
-                        <a:t>6</a:t>
-                      </a:r>
-                      <a:endParaRPr lang="ko-KR" altLang="en-US" sz="800" b="0" dirty="0">
-                        <a:solidFill>
-                          <a:schemeClr val="tx1">
-                            <a:lumMod val="50000"/>
-                            <a:lumOff val="50000"/>
-                          </a:schemeClr>
-                        </a:solidFill>
-                        <a:latin typeface="나눔고딕" panose="020D0604000000000000" pitchFamily="50" charset="-127"/>
-                        <a:ea typeface="나눔고딕" panose="020D0604000000000000" pitchFamily="50" charset="-127"/>
-                      </a:endParaRPr>
-                    </a:p>
-                  </a:txBody>
-                  <a:tcPr marL="109728" marR="109728" marT="54864" marB="54864" anchor="ctr">
-                    <a:lnL w="3175" cap="flat" cmpd="sng" algn="ctr">
-                      <a:noFill/>
-                      <a:prstDash val="solid"/>
-                      <a:round/>
-                      <a:headEnd type="none" w="med" len="med"/>
-                      <a:tailEnd type="none" w="med" len="med"/>
-                    </a:lnL>
-                    <a:lnR w="3175" cap="flat" cmpd="sng" algn="ctr">
-                      <a:solidFill>
-                        <a:schemeClr val="bg1">
-                          <a:lumMod val="75000"/>
-                        </a:schemeClr>
-                      </a:solidFill>
-                      <a:prstDash val="solid"/>
-                      <a:round/>
-                      <a:headEnd type="none" w="med" len="med"/>
-                      <a:tailEnd type="none" w="med" len="med"/>
-                    </a:lnR>
-                    <a:lnT w="3175" cap="flat" cmpd="sng" algn="ctr">
-                      <a:solidFill>
-                        <a:schemeClr val="bg1">
-                          <a:lumMod val="75000"/>
-                        </a:schemeClr>
-                      </a:solidFill>
-                      <a:prstDash val="solid"/>
-                      <a:round/>
-                      <a:headEnd type="none" w="med" len="med"/>
-                      <a:tailEnd type="none" w="med" len="med"/>
-                    </a:lnT>
-                    <a:lnB w="3175" cap="flat" cmpd="sng" algn="ctr">
-                      <a:noFill/>
-                      <a:prstDash val="solid"/>
-                      <a:round/>
-                      <a:headEnd type="none" w="med" len="med"/>
-                      <a:tailEnd type="none" w="med" len="med"/>
-                    </a:lnB>
-                    <a:lnTlToBr w="12700" cmpd="sng">
-                      <a:noFill/>
-                      <a:prstDash val="solid"/>
-                    </a:lnTlToBr>
-                    <a:lnBlToTr w="12700" cmpd="sng">
-                      <a:noFill/>
-                      <a:prstDash val="solid"/>
-                    </a:lnBlToTr>
-                    <a:noFill/>
-                  </a:tcPr>
-                </a:tc>
-                <a:tc>
-                  <a:txBody>
-                    <a:bodyPr/>
-                    <a:lstStyle/>
-                    <a:p>
-                      <a:pPr marL="0" marR="0" indent="0" algn="l" defTabSz="914400" rtl="0" eaLnBrk="1" fontAlgn="auto" latinLnBrk="1" hangingPunct="1">
-                        <a:lnSpc>
-                          <a:spcPct val="150000"/>
-                        </a:lnSpc>
-                        <a:spcBef>
-                          <a:spcPts val="0"/>
-                        </a:spcBef>
-                        <a:spcAft>
-                          <a:spcPts val="0"/>
-                        </a:spcAft>
-                        <a:buClrTx/>
-                        <a:buSzTx/>
-                        <a:buFontTx/>
-                        <a:buNone/>
-                        <a:tabLst/>
-                        <a:defRPr/>
-                      </a:pPr>
-                      <a:endParaRPr lang="en-US" altLang="ko-KR" sz="800" dirty="0">
-                        <a:solidFill>
-                          <a:schemeClr val="tx1">
-                            <a:lumMod val="50000"/>
-                            <a:lumOff val="50000"/>
-                          </a:schemeClr>
-                        </a:solidFill>
-                        <a:latin typeface="나눔고딕" panose="020D0604000000000000" pitchFamily="50" charset="-127"/>
-                        <a:ea typeface="나눔고딕" panose="020D0604000000000000" pitchFamily="50" charset="-127"/>
-                        <a:sym typeface="Wingdings" panose="05000000000000000000" pitchFamily="2" charset="2"/>
-                      </a:endParaRPr>
-                    </a:p>
-                  </a:txBody>
-                  <a:tcPr marL="109728" marR="109728" marT="54864" marB="54864" anchor="ctr">
-                    <a:lnL w="3175" cap="flat" cmpd="sng" algn="ctr">
-                      <a:solidFill>
-                        <a:schemeClr val="bg1">
-                          <a:lumMod val="75000"/>
-                        </a:schemeClr>
-                      </a:solidFill>
-                      <a:prstDash val="solid"/>
-                      <a:round/>
-                      <a:headEnd type="none" w="med" len="med"/>
-                      <a:tailEnd type="none" w="med" len="med"/>
-                    </a:lnL>
-                    <a:lnR w="3175" cap="flat" cmpd="sng" algn="ctr">
-                      <a:noFill/>
-                      <a:prstDash val="solid"/>
-                      <a:round/>
-                      <a:headEnd type="none" w="med" len="med"/>
-                      <a:tailEnd type="none" w="med" len="med"/>
-                    </a:lnR>
-                    <a:lnT w="3175" cap="flat" cmpd="sng" algn="ctr">
-                      <a:solidFill>
-                        <a:schemeClr val="bg1">
-                          <a:lumMod val="75000"/>
-                        </a:schemeClr>
-                      </a:solidFill>
-                      <a:prstDash val="solid"/>
-                      <a:round/>
-                      <a:headEnd type="none" w="med" len="med"/>
-                      <a:tailEnd type="none" w="med" len="med"/>
-                    </a:lnT>
-                    <a:lnB w="3175" cap="flat" cmpd="sng" algn="ctr">
                       <a:noFill/>
                       <a:prstDash val="solid"/>
                       <a:round/>
@@ -7456,7 +5903,7 @@
         </p:nvGrpSpPr>
         <p:grpSpPr>
           <a:xfrm>
-            <a:off x="1038184" y="824017"/>
+            <a:off x="907071" y="956081"/>
             <a:ext cx="466464" cy="228033"/>
             <a:chOff x="4727047" y="5307508"/>
             <a:chExt cx="388720" cy="190027"/>
@@ -7777,7 +6224,7 @@
         </p:nvGrpSpPr>
         <p:grpSpPr>
           <a:xfrm>
-            <a:off x="1629880" y="817584"/>
+            <a:off x="5507011" y="952495"/>
             <a:ext cx="466464" cy="228033"/>
             <a:chOff x="4727047" y="5307508"/>
             <a:chExt cx="388720" cy="190027"/>
@@ -8098,7 +6545,7 @@
         </p:nvGrpSpPr>
         <p:grpSpPr>
           <a:xfrm>
-            <a:off x="2215658" y="811151"/>
+            <a:off x="907071" y="3202667"/>
             <a:ext cx="466464" cy="228033"/>
             <a:chOff x="4727047" y="5307508"/>
             <a:chExt cx="388720" cy="190027"/>
@@ -8419,7 +6866,7 @@
         </p:nvGrpSpPr>
         <p:grpSpPr>
           <a:xfrm>
-            <a:off x="2761162" y="836049"/>
+            <a:off x="907071" y="5382328"/>
             <a:ext cx="466464" cy="228033"/>
             <a:chOff x="4727047" y="5307508"/>
             <a:chExt cx="388720" cy="190027"/>
@@ -8726,6 +7173,336 @@
           </p:txBody>
         </p:sp>
       </p:grpSp>
+      <p:sp>
+        <p:nvSpPr>
+          <p:cNvPr id="7" name="사각형: 둥근 모서리 6">
+            <a:extLst>
+              <a:ext uri="{FF2B5EF4-FFF2-40B4-BE49-F238E27FC236}">
+                <a16:creationId xmlns:a16="http://schemas.microsoft.com/office/drawing/2014/main" id="{60EA088D-C33D-738F-A617-763A1D17DADA}"/>
+              </a:ext>
+            </a:extLst>
+          </p:cNvPr>
+          <p:cNvSpPr/>
+          <p:nvPr/>
+        </p:nvSpPr>
+        <p:spPr>
+          <a:xfrm>
+            <a:off x="880602" y="836712"/>
+            <a:ext cx="4310116" cy="2016224"/>
+          </a:xfrm>
+          <a:prstGeom prst="roundRect">
+            <a:avLst/>
+          </a:prstGeom>
+          <a:noFill/>
+          <a:ln w="28575" cap="flat" cmpd="sng" algn="ctr">
+            <a:solidFill>
+              <a:schemeClr val="dk1"/>
+            </a:solidFill>
+            <a:prstDash val="solid"/>
+            <a:round/>
+            <a:headEnd type="none" w="med" len="med"/>
+            <a:tailEnd type="none" w="med" len="med"/>
+          </a:ln>
+        </p:spPr>
+        <p:style>
+          <a:lnRef idx="0">
+            <a:scrgbClr r="0" g="0" b="0"/>
+          </a:lnRef>
+          <a:fillRef idx="0">
+            <a:scrgbClr r="0" g="0" b="0"/>
+          </a:fillRef>
+          <a:effectRef idx="0">
+            <a:scrgbClr r="0" g="0" b="0"/>
+          </a:effectRef>
+          <a:fontRef idx="minor">
+            <a:schemeClr val="dk1"/>
+          </a:fontRef>
+        </p:style>
+        <p:txBody>
+          <a:bodyPr rtlCol="0" anchor="ctr"/>
+          <a:lstStyle/>
+          <a:p>
+            <a:pPr algn="ctr"/>
+            <a:r>
+              <a:rPr lang="ko-KR" altLang="en-US" dirty="0"/>
+              <a:t>운영정보</a:t>
+            </a:r>
+          </a:p>
+        </p:txBody>
+      </p:sp>
+      <p:sp>
+        <p:nvSpPr>
+          <p:cNvPr id="14" name="사각형: 둥근 모서리 13">
+            <a:extLst>
+              <a:ext uri="{FF2B5EF4-FFF2-40B4-BE49-F238E27FC236}">
+                <a16:creationId xmlns:a16="http://schemas.microsoft.com/office/drawing/2014/main" id="{33E574EA-514A-5EF7-2B53-18677D880124}"/>
+              </a:ext>
+            </a:extLst>
+          </p:cNvPr>
+          <p:cNvSpPr/>
+          <p:nvPr/>
+        </p:nvSpPr>
+        <p:spPr>
+          <a:xfrm>
+            <a:off x="5447928" y="836712"/>
+            <a:ext cx="2664296" cy="2016224"/>
+          </a:xfrm>
+          <a:prstGeom prst="roundRect">
+            <a:avLst/>
+          </a:prstGeom>
+          <a:noFill/>
+          <a:ln w="28575" cap="flat" cmpd="sng" algn="ctr">
+            <a:solidFill>
+              <a:schemeClr val="dk1"/>
+            </a:solidFill>
+            <a:prstDash val="solid"/>
+            <a:round/>
+            <a:headEnd type="none" w="med" len="med"/>
+            <a:tailEnd type="none" w="med" len="med"/>
+          </a:ln>
+        </p:spPr>
+        <p:style>
+          <a:lnRef idx="0">
+            <a:scrgbClr r="0" g="0" b="0"/>
+          </a:lnRef>
+          <a:fillRef idx="0">
+            <a:scrgbClr r="0" g="0" b="0"/>
+          </a:fillRef>
+          <a:effectRef idx="0">
+            <a:scrgbClr r="0" g="0" b="0"/>
+          </a:effectRef>
+          <a:fontRef idx="minor">
+            <a:schemeClr val="dk1"/>
+          </a:fontRef>
+        </p:style>
+        <p:txBody>
+          <a:bodyPr rtlCol="0" anchor="ctr"/>
+          <a:lstStyle/>
+          <a:p>
+            <a:pPr algn="ctr"/>
+            <a:r>
+              <a:rPr lang="ko-KR" altLang="en-US" dirty="0"/>
+              <a:t>위치 및 연락처</a:t>
+            </a:r>
+          </a:p>
+        </p:txBody>
+      </p:sp>
+      <p:sp>
+        <p:nvSpPr>
+          <p:cNvPr id="15" name="사각형: 둥근 모서리 14">
+            <a:extLst>
+              <a:ext uri="{FF2B5EF4-FFF2-40B4-BE49-F238E27FC236}">
+                <a16:creationId xmlns:a16="http://schemas.microsoft.com/office/drawing/2014/main" id="{47F9A5EE-40B9-4EAB-2B35-464C85F33D9C}"/>
+              </a:ext>
+            </a:extLst>
+          </p:cNvPr>
+          <p:cNvSpPr/>
+          <p:nvPr/>
+        </p:nvSpPr>
+        <p:spPr>
+          <a:xfrm>
+            <a:off x="880602" y="3074765"/>
+            <a:ext cx="7231622" cy="2016224"/>
+          </a:xfrm>
+          <a:prstGeom prst="roundRect">
+            <a:avLst/>
+          </a:prstGeom>
+          <a:noFill/>
+          <a:ln w="28575" cap="flat" cmpd="sng" algn="ctr">
+            <a:solidFill>
+              <a:schemeClr val="dk1"/>
+            </a:solidFill>
+            <a:prstDash val="solid"/>
+            <a:round/>
+            <a:headEnd type="none" w="med" len="med"/>
+            <a:tailEnd type="none" w="med" len="med"/>
+          </a:ln>
+        </p:spPr>
+        <p:style>
+          <a:lnRef idx="0">
+            <a:scrgbClr r="0" g="0" b="0"/>
+          </a:lnRef>
+          <a:fillRef idx="0">
+            <a:scrgbClr r="0" g="0" b="0"/>
+          </a:fillRef>
+          <a:effectRef idx="0">
+            <a:scrgbClr r="0" g="0" b="0"/>
+          </a:effectRef>
+          <a:fontRef idx="minor">
+            <a:schemeClr val="dk1"/>
+          </a:fontRef>
+        </p:style>
+        <p:txBody>
+          <a:bodyPr rtlCol="0" anchor="ctr"/>
+          <a:lstStyle/>
+          <a:p>
+            <a:pPr algn="ctr"/>
+            <a:r>
+              <a:rPr lang="ko-KR" altLang="en-US" dirty="0"/>
+              <a:t>요금 정보</a:t>
+            </a:r>
+          </a:p>
+        </p:txBody>
+      </p:sp>
+      <p:sp>
+        <p:nvSpPr>
+          <p:cNvPr id="16" name="사각형: 둥근 모서리 15">
+            <a:extLst>
+              <a:ext uri="{FF2B5EF4-FFF2-40B4-BE49-F238E27FC236}">
+                <a16:creationId xmlns:a16="http://schemas.microsoft.com/office/drawing/2014/main" id="{3B9ECE60-E50B-0955-F5D0-B57BD0F7292D}"/>
+              </a:ext>
+            </a:extLst>
+          </p:cNvPr>
+          <p:cNvSpPr/>
+          <p:nvPr/>
+        </p:nvSpPr>
+        <p:spPr>
+          <a:xfrm>
+            <a:off x="880602" y="5312818"/>
+            <a:ext cx="7231622" cy="1484784"/>
+          </a:xfrm>
+          <a:prstGeom prst="roundRect">
+            <a:avLst/>
+          </a:prstGeom>
+          <a:noFill/>
+          <a:ln w="28575" cap="flat" cmpd="sng" algn="ctr">
+            <a:solidFill>
+              <a:schemeClr val="dk1"/>
+            </a:solidFill>
+            <a:prstDash val="solid"/>
+            <a:round/>
+            <a:headEnd type="none" w="med" len="med"/>
+            <a:tailEnd type="none" w="med" len="med"/>
+          </a:ln>
+        </p:spPr>
+        <p:style>
+          <a:lnRef idx="0">
+            <a:scrgbClr r="0" g="0" b="0"/>
+          </a:lnRef>
+          <a:fillRef idx="0">
+            <a:scrgbClr r="0" g="0" b="0"/>
+          </a:fillRef>
+          <a:effectRef idx="0">
+            <a:scrgbClr r="0" g="0" b="0"/>
+          </a:effectRef>
+          <a:fontRef idx="minor">
+            <a:schemeClr val="dk1"/>
+          </a:fontRef>
+        </p:style>
+        <p:txBody>
+          <a:bodyPr rtlCol="0" anchor="ctr"/>
+          <a:lstStyle/>
+          <a:p>
+            <a:pPr algn="ctr"/>
+            <a:r>
+              <a:rPr lang="ko-KR" altLang="en-US" dirty="0"/>
+              <a:t>기본 정보</a:t>
+            </a:r>
+          </a:p>
+        </p:txBody>
+      </p:sp>
+      <p:sp>
+        <p:nvSpPr>
+          <p:cNvPr id="27" name="TextBox 26">
+            <a:extLst>
+              <a:ext uri="{FF2B5EF4-FFF2-40B4-BE49-F238E27FC236}">
+                <a16:creationId xmlns:a16="http://schemas.microsoft.com/office/drawing/2014/main" id="{DB01383E-F536-6E2C-916F-08A8B1035BDC}"/>
+              </a:ext>
+            </a:extLst>
+          </p:cNvPr>
+          <p:cNvSpPr txBox="1"/>
+          <p:nvPr/>
+        </p:nvSpPr>
+        <p:spPr>
+          <a:xfrm>
+            <a:off x="839416" y="398798"/>
+            <a:ext cx="3847246" cy="369332"/>
+          </a:xfrm>
+          <a:prstGeom prst="rect">
+            <a:avLst/>
+          </a:prstGeom>
+          <a:noFill/>
+        </p:spPr>
+        <p:txBody>
+          <a:bodyPr wrap="square" rtlCol="0">
+            <a:spAutoFit/>
+          </a:bodyPr>
+          <a:lstStyle/>
+          <a:p>
+            <a:r>
+              <a:rPr lang="ko-KR" altLang="en-US" dirty="0">
+                <a:latin typeface="Adobe 고딕 Std B" panose="020B0800000000000000" pitchFamily="34" charset="-127"/>
+                <a:ea typeface="Adobe 고딕 Std B" panose="020B0800000000000000" pitchFamily="34" charset="-127"/>
+              </a:rPr>
+              <a:t>주차장 명</a:t>
+            </a:r>
+          </a:p>
+        </p:txBody>
+      </p:sp>
+      <p:sp>
+        <p:nvSpPr>
+          <p:cNvPr id="28" name="직사각형 27">
+            <a:extLst>
+              <a:ext uri="{FF2B5EF4-FFF2-40B4-BE49-F238E27FC236}">
+                <a16:creationId xmlns:a16="http://schemas.microsoft.com/office/drawing/2014/main" id="{C6DB8F36-3430-F57E-15C6-F72D4D277876}"/>
+              </a:ext>
+            </a:extLst>
+          </p:cNvPr>
+          <p:cNvSpPr/>
+          <p:nvPr/>
+        </p:nvSpPr>
+        <p:spPr>
+          <a:xfrm>
+            <a:off x="7187624" y="466987"/>
+            <a:ext cx="902732" cy="245947"/>
+          </a:xfrm>
+          <a:prstGeom prst="rect">
+            <a:avLst/>
+          </a:prstGeom>
+          <a:noFill/>
+          <a:ln w="19050" cap="flat" cmpd="sng" algn="ctr">
+            <a:solidFill>
+              <a:schemeClr val="dk1"/>
+            </a:solidFill>
+            <a:prstDash val="solid"/>
+            <a:round/>
+            <a:headEnd type="none" w="med" len="med"/>
+            <a:tailEnd type="none" w="med" len="med"/>
+          </a:ln>
+        </p:spPr>
+        <p:style>
+          <a:lnRef idx="0">
+            <a:scrgbClr r="0" g="0" b="0"/>
+          </a:lnRef>
+          <a:fillRef idx="0">
+            <a:scrgbClr r="0" g="0" b="0"/>
+          </a:fillRef>
+          <a:effectRef idx="0">
+            <a:scrgbClr r="0" g="0" b="0"/>
+          </a:effectRef>
+          <a:fontRef idx="minor">
+            <a:schemeClr val="dk1"/>
+          </a:fontRef>
+        </p:style>
+        <p:txBody>
+          <a:bodyPr rtlCol="0" anchor="ctr"/>
+          <a:lstStyle/>
+          <a:p>
+            <a:pPr algn="ctr"/>
+            <a:r>
+              <a:rPr lang="ko-KR" altLang="en-US" sz="1200" dirty="0" err="1">
+                <a:latin typeface="Adobe 고딕 Std B" panose="020B0800000000000000" pitchFamily="34" charset="-127"/>
+                <a:ea typeface="Adobe 고딕 Std B" panose="020B0800000000000000" pitchFamily="34" charset="-127"/>
+              </a:rPr>
+              <a:t>뒤로가기</a:t>
+            </a:r>
+            <a:endParaRPr lang="ko-KR" altLang="en-US" sz="1200" dirty="0">
+              <a:latin typeface="Adobe 고딕 Std B" panose="020B0800000000000000" pitchFamily="34" charset="-127"/>
+              <a:ea typeface="Adobe 고딕 Std B" panose="020B0800000000000000" pitchFamily="34" charset="-127"/>
+            </a:endParaRPr>
+          </a:p>
+        </p:txBody>
+      </p:sp>
     </p:spTree>
     <p:extLst>
       <p:ext uri="{BB962C8B-B14F-4D97-AF65-F5344CB8AC3E}">
